--- a/slides/Unit 2 - LC 101 - Class 1.pptx
+++ b/slides/Unit 2 - LC 101 - Class 1.pptx
@@ -7878,14 +7878,14 @@
               <a:buChar char="●"/>
             </a:pPr>
             <a:r>
-              <a:rPr lang="en" sz="2400">
+              <a:rPr lang="en" sz="2400" dirty="0">
                 <a:solidFill>
                   <a:srgbClr val="FFFFFF"/>
                 </a:solidFill>
               </a:rPr>
               <a:t>Making the VCS system aware of changes</a:t>
             </a:r>
-            <a:endParaRPr sz="2400">
+            <a:endParaRPr sz="2400" dirty="0">
               <a:solidFill>
                 <a:srgbClr val="FFFFFF"/>
               </a:solidFill>
@@ -7909,18 +7909,44 @@
               <a:buChar char="○"/>
             </a:pPr>
             <a:r>
-              <a:rPr lang="en" sz="2400">
+              <a:rPr lang="en" sz="2400" dirty="0">
                 <a:solidFill>
                   <a:srgbClr val="FFFFFF"/>
                 </a:solidFill>
               </a:rPr>
               <a:t>Could only be one file, but usually it will be more</a:t>
             </a:r>
-            <a:endParaRPr sz="2400">
+            <a:endParaRPr sz="2400" dirty="0">
               <a:solidFill>
                 <a:srgbClr val="FFFFFF"/>
               </a:solidFill>
             </a:endParaRPr>
+          </a:p>
+          <a:p>
+            <a:pPr marL="457200" lvl="0" indent="-381000" rtl="0">
+              <a:lnSpc>
+                <a:spcPct val="115000"/>
+              </a:lnSpc>
+              <a:spcBef>
+                <a:spcPts val="0"/>
+              </a:spcBef>
+              <a:spcAft>
+                <a:spcPts val="0"/>
+              </a:spcAft>
+              <a:buClr>
+                <a:srgbClr val="FFFFFF"/>
+              </a:buClr>
+              <a:buSzPts val="2400"/>
+              <a:buChar char="●"/>
+            </a:pPr>
+            <a:r>
+              <a:rPr lang="en" sz="2400" dirty="0">
+                <a:solidFill>
+                  <a:srgbClr val="FFFFFF"/>
+                </a:solidFill>
+              </a:rPr>
+              <a:t>This is how the changes are tracked, versioned, and shared</a:t>
+            </a:r>
           </a:p>
           <a:p>
             <a:pPr marL="457200" lvl="0" indent="-381000" rtl="0">
@@ -7945,9 +7971,17 @@
                   <a:srgbClr val="FFFFFF"/>
                 </a:solidFill>
               </a:rPr>
-              <a:t>This is how the changes are tracked, versioned, and shared</a:t>
+              <a:t>Adding </a:t>
             </a:r>
-            <a:endParaRPr sz="2400">
+            <a:r>
+              <a:rPr lang="en" sz="2400" dirty="0">
+                <a:solidFill>
+                  <a:srgbClr val="FFFFFF"/>
+                </a:solidFill>
+              </a:rPr>
+              <a:t>versus Committing</a:t>
+            </a:r>
+            <a:endParaRPr sz="2400" dirty="0">
               <a:solidFill>
                 <a:srgbClr val="FFFFFF"/>
               </a:solidFill>
@@ -7971,14 +8005,14 @@
               <a:buChar char="●"/>
             </a:pPr>
             <a:r>
-              <a:rPr lang="en" sz="2400">
+              <a:rPr lang="en" sz="2400" dirty="0">
                 <a:solidFill>
                   <a:srgbClr val="FFFFFF"/>
                 </a:solidFill>
               </a:rPr>
               <a:t>Commit message</a:t>
             </a:r>
-            <a:endParaRPr sz="2400">
+            <a:endParaRPr sz="2400" dirty="0">
               <a:solidFill>
                 <a:srgbClr val="FFFFFF"/>
               </a:solidFill>
@@ -8002,7 +8036,7 @@
               <a:buChar char="○"/>
             </a:pPr>
             <a:r>
-              <a:rPr lang="en" sz="2400">
+              <a:rPr lang="en" sz="2400" dirty="0">
                 <a:solidFill>
                   <a:srgbClr val="FFFFFF"/>
                 </a:solidFill>
@@ -8010,7 +8044,7 @@
               <a:t>Short message about </a:t>
             </a:r>
             <a:r>
-              <a:rPr lang="en" sz="2400" u="sng">
+              <a:rPr lang="en" sz="2400" u="sng" dirty="0">
                 <a:solidFill>
                   <a:srgbClr val="FFFFFF"/>
                 </a:solidFill>
@@ -8018,7 +8052,7 @@
               <a:t>why</a:t>
             </a:r>
             <a:r>
-              <a:rPr lang="en" sz="2400">
+              <a:rPr lang="en" sz="2400" dirty="0">
                 <a:solidFill>
                   <a:srgbClr val="FFFFFF"/>
                 </a:solidFill>
@@ -8026,7 +8060,7 @@
               <a:t> and </a:t>
             </a:r>
             <a:r>
-              <a:rPr lang="en" sz="2400" u="sng">
+              <a:rPr lang="en" sz="2400" u="sng" dirty="0">
                 <a:solidFill>
                   <a:srgbClr val="FFFFFF"/>
                 </a:solidFill>
@@ -8034,14 +8068,14 @@
               <a:t>what</a:t>
             </a:r>
             <a:r>
-              <a:rPr lang="en" sz="2400">
+              <a:rPr lang="en" sz="2400" dirty="0">
                 <a:solidFill>
                   <a:srgbClr val="FFFFFF"/>
                 </a:solidFill>
               </a:rPr>
               <a:t> you did</a:t>
             </a:r>
-            <a:endParaRPr sz="2400">
+            <a:endParaRPr sz="2400" dirty="0">
               <a:solidFill>
                 <a:srgbClr val="FFFFFF"/>
               </a:solidFill>
@@ -8065,14 +8099,14 @@
               <a:buChar char="○"/>
             </a:pPr>
             <a:r>
-              <a:rPr lang="en" sz="2400">
+              <a:rPr lang="en" sz="2400" dirty="0">
                 <a:solidFill>
                   <a:srgbClr val="FFFFFF"/>
                 </a:solidFill>
               </a:rPr>
               <a:t>You will need this because you will eventually forget why you did EVERYTHING</a:t>
             </a:r>
-            <a:endParaRPr sz="2400">
+            <a:endParaRPr sz="2400" dirty="0">
               <a:solidFill>
                 <a:srgbClr val="FFFFFF"/>
               </a:solidFill>
@@ -8091,7 +8125,7 @@
               </a:spcAft>
               <a:buNone/>
             </a:pPr>
-            <a:endParaRPr sz="2400">
+            <a:endParaRPr sz="2400" dirty="0">
               <a:solidFill>
                 <a:srgbClr val="FFFFFF"/>
               </a:solidFill>
@@ -8110,7 +8144,7 @@
               </a:spcAft>
               <a:buNone/>
             </a:pPr>
-            <a:endParaRPr sz="2400">
+            <a:endParaRPr sz="2400" dirty="0">
               <a:solidFill>
                 <a:srgbClr val="FFFFFF"/>
               </a:solidFill>
@@ -8129,7 +8163,7 @@
               </a:spcAft>
               <a:buNone/>
             </a:pPr>
-            <a:endParaRPr sz="2400">
+            <a:endParaRPr sz="2400" dirty="0">
               <a:solidFill>
                 <a:schemeClr val="dk1"/>
               </a:solidFill>
@@ -8148,7 +8182,7 @@
               </a:spcAft>
               <a:buNone/>
             </a:pPr>
-            <a:endParaRPr sz="2200">
+            <a:endParaRPr sz="2200" dirty="0">
               <a:solidFill>
                 <a:srgbClr val="FFFFFF"/>
               </a:solidFill>
@@ -8167,7 +8201,7 @@
               </a:spcAft>
               <a:buNone/>
             </a:pPr>
-            <a:endParaRPr sz="2200">
+            <a:endParaRPr sz="2200" dirty="0">
               <a:solidFill>
                 <a:srgbClr val="FFFFFF"/>
               </a:solidFill>
@@ -8186,7 +8220,7 @@
               </a:spcAft>
               <a:buNone/>
             </a:pPr>
-            <a:endParaRPr sz="2400">
+            <a:endParaRPr sz="2400" dirty="0">
               <a:solidFill>
                 <a:srgbClr val="FFFFFF"/>
               </a:solidFill>
@@ -8202,7 +8236,7 @@
               </a:spcAft>
               <a:buNone/>
             </a:pPr>
-            <a:endParaRPr sz="2400">
+            <a:endParaRPr sz="2400" dirty="0">
               <a:solidFill>
                 <a:srgbClr val="FFFFFF"/>
               </a:solidFill>
@@ -8636,372 +8670,6 @@
                                           <p:spTgt spid="93">
                                             <p:txEl>
                                               <p:pRg st="6" end="6"/>
-                                            </p:txEl>
-                                          </p:spTgt>
-                                        </p:tgtEl>
-                                      </p:cBhvr>
-                                    </p:animEffect>
-                                  </p:childTnLst>
-                                </p:cTn>
-                              </p:par>
-                            </p:childTnLst>
-                          </p:cTn>
-                        </p:par>
-                      </p:childTnLst>
-                    </p:cTn>
-                  </p:par>
-                  <p:par>
-                    <p:cTn id="38" fill="hold">
-                      <p:stCondLst>
-                        <p:cond delay="indefinite"/>
-                      </p:stCondLst>
-                      <p:childTnLst>
-                        <p:par>
-                          <p:cTn id="39" fill="hold">
-                            <p:stCondLst>
-                              <p:cond delay="0"/>
-                            </p:stCondLst>
-                            <p:childTnLst>
-                              <p:par>
-                                <p:cTn id="40" presetID="10" presetClass="entr" presetSubtype="0" fill="hold" nodeType="clickEffect">
-                                  <p:stCondLst>
-                                    <p:cond delay="0"/>
-                                  </p:stCondLst>
-                                  <p:childTnLst>
-                                    <p:set>
-                                      <p:cBhvr>
-                                        <p:cTn id="41" dur="1" fill="hold">
-                                          <p:stCondLst>
-                                            <p:cond delay="0"/>
-                                          </p:stCondLst>
-                                        </p:cTn>
-                                        <p:tgtEl>
-                                          <p:spTgt spid="93">
-                                            <p:txEl>
-                                              <p:pRg st="7" end="7"/>
-                                            </p:txEl>
-                                          </p:spTgt>
-                                        </p:tgtEl>
-                                        <p:attrNameLst>
-                                          <p:attrName>style.visibility</p:attrName>
-                                        </p:attrNameLst>
-                                      </p:cBhvr>
-                                      <p:to>
-                                        <p:strVal val="visible"/>
-                                      </p:to>
-                                    </p:set>
-                                    <p:animEffect transition="in" filter="fade">
-                                      <p:cBhvr>
-                                        <p:cTn id="42" dur="1000"/>
-                                        <p:tgtEl>
-                                          <p:spTgt spid="93">
-                                            <p:txEl>
-                                              <p:pRg st="7" end="7"/>
-                                            </p:txEl>
-                                          </p:spTgt>
-                                        </p:tgtEl>
-                                      </p:cBhvr>
-                                    </p:animEffect>
-                                  </p:childTnLst>
-                                </p:cTn>
-                              </p:par>
-                            </p:childTnLst>
-                          </p:cTn>
-                        </p:par>
-                      </p:childTnLst>
-                    </p:cTn>
-                  </p:par>
-                  <p:par>
-                    <p:cTn id="43" fill="hold">
-                      <p:stCondLst>
-                        <p:cond delay="indefinite"/>
-                      </p:stCondLst>
-                      <p:childTnLst>
-                        <p:par>
-                          <p:cTn id="44" fill="hold">
-                            <p:stCondLst>
-                              <p:cond delay="0"/>
-                            </p:stCondLst>
-                            <p:childTnLst>
-                              <p:par>
-                                <p:cTn id="45" presetID="10" presetClass="entr" presetSubtype="0" fill="hold" nodeType="clickEffect">
-                                  <p:stCondLst>
-                                    <p:cond delay="0"/>
-                                  </p:stCondLst>
-                                  <p:childTnLst>
-                                    <p:set>
-                                      <p:cBhvr>
-                                        <p:cTn id="46" dur="1" fill="hold">
-                                          <p:stCondLst>
-                                            <p:cond delay="0"/>
-                                          </p:stCondLst>
-                                        </p:cTn>
-                                        <p:tgtEl>
-                                          <p:spTgt spid="93">
-                                            <p:txEl>
-                                              <p:pRg st="8" end="8"/>
-                                            </p:txEl>
-                                          </p:spTgt>
-                                        </p:tgtEl>
-                                        <p:attrNameLst>
-                                          <p:attrName>style.visibility</p:attrName>
-                                        </p:attrNameLst>
-                                      </p:cBhvr>
-                                      <p:to>
-                                        <p:strVal val="visible"/>
-                                      </p:to>
-                                    </p:set>
-                                    <p:animEffect transition="in" filter="fade">
-                                      <p:cBhvr>
-                                        <p:cTn id="47" dur="1000"/>
-                                        <p:tgtEl>
-                                          <p:spTgt spid="93">
-                                            <p:txEl>
-                                              <p:pRg st="8" end="8"/>
-                                            </p:txEl>
-                                          </p:spTgt>
-                                        </p:tgtEl>
-                                      </p:cBhvr>
-                                    </p:animEffect>
-                                  </p:childTnLst>
-                                </p:cTn>
-                              </p:par>
-                            </p:childTnLst>
-                          </p:cTn>
-                        </p:par>
-                      </p:childTnLst>
-                    </p:cTn>
-                  </p:par>
-                  <p:par>
-                    <p:cTn id="48" fill="hold">
-                      <p:stCondLst>
-                        <p:cond delay="indefinite"/>
-                      </p:stCondLst>
-                      <p:childTnLst>
-                        <p:par>
-                          <p:cTn id="49" fill="hold">
-                            <p:stCondLst>
-                              <p:cond delay="0"/>
-                            </p:stCondLst>
-                            <p:childTnLst>
-                              <p:par>
-                                <p:cTn id="50" presetID="10" presetClass="entr" presetSubtype="0" fill="hold" nodeType="clickEffect">
-                                  <p:stCondLst>
-                                    <p:cond delay="0"/>
-                                  </p:stCondLst>
-                                  <p:childTnLst>
-                                    <p:set>
-                                      <p:cBhvr>
-                                        <p:cTn id="51" dur="1" fill="hold">
-                                          <p:stCondLst>
-                                            <p:cond delay="0"/>
-                                          </p:stCondLst>
-                                        </p:cTn>
-                                        <p:tgtEl>
-                                          <p:spTgt spid="93">
-                                            <p:txEl>
-                                              <p:pRg st="9" end="9"/>
-                                            </p:txEl>
-                                          </p:spTgt>
-                                        </p:tgtEl>
-                                        <p:attrNameLst>
-                                          <p:attrName>style.visibility</p:attrName>
-                                        </p:attrNameLst>
-                                      </p:cBhvr>
-                                      <p:to>
-                                        <p:strVal val="visible"/>
-                                      </p:to>
-                                    </p:set>
-                                    <p:animEffect transition="in" filter="fade">
-                                      <p:cBhvr>
-                                        <p:cTn id="52" dur="1000"/>
-                                        <p:tgtEl>
-                                          <p:spTgt spid="93">
-                                            <p:txEl>
-                                              <p:pRg st="9" end="9"/>
-                                            </p:txEl>
-                                          </p:spTgt>
-                                        </p:tgtEl>
-                                      </p:cBhvr>
-                                    </p:animEffect>
-                                  </p:childTnLst>
-                                </p:cTn>
-                              </p:par>
-                            </p:childTnLst>
-                          </p:cTn>
-                        </p:par>
-                      </p:childTnLst>
-                    </p:cTn>
-                  </p:par>
-                  <p:par>
-                    <p:cTn id="53" fill="hold">
-                      <p:stCondLst>
-                        <p:cond delay="indefinite"/>
-                      </p:stCondLst>
-                      <p:childTnLst>
-                        <p:par>
-                          <p:cTn id="54" fill="hold">
-                            <p:stCondLst>
-                              <p:cond delay="0"/>
-                            </p:stCondLst>
-                            <p:childTnLst>
-                              <p:par>
-                                <p:cTn id="55" presetID="10" presetClass="entr" presetSubtype="0" fill="hold" nodeType="clickEffect">
-                                  <p:stCondLst>
-                                    <p:cond delay="0"/>
-                                  </p:stCondLst>
-                                  <p:childTnLst>
-                                    <p:set>
-                                      <p:cBhvr>
-                                        <p:cTn id="56" dur="1" fill="hold">
-                                          <p:stCondLst>
-                                            <p:cond delay="0"/>
-                                          </p:stCondLst>
-                                        </p:cTn>
-                                        <p:tgtEl>
-                                          <p:spTgt spid="93">
-                                            <p:txEl>
-                                              <p:pRg st="10" end="10"/>
-                                            </p:txEl>
-                                          </p:spTgt>
-                                        </p:tgtEl>
-                                        <p:attrNameLst>
-                                          <p:attrName>style.visibility</p:attrName>
-                                        </p:attrNameLst>
-                                      </p:cBhvr>
-                                      <p:to>
-                                        <p:strVal val="visible"/>
-                                      </p:to>
-                                    </p:set>
-                                    <p:animEffect transition="in" filter="fade">
-                                      <p:cBhvr>
-                                        <p:cTn id="57" dur="1000"/>
-                                        <p:tgtEl>
-                                          <p:spTgt spid="93">
-                                            <p:txEl>
-                                              <p:pRg st="10" end="10"/>
-                                            </p:txEl>
-                                          </p:spTgt>
-                                        </p:tgtEl>
-                                      </p:cBhvr>
-                                    </p:animEffect>
-                                  </p:childTnLst>
-                                </p:cTn>
-                              </p:par>
-                            </p:childTnLst>
-                          </p:cTn>
-                        </p:par>
-                      </p:childTnLst>
-                    </p:cTn>
-                  </p:par>
-                  <p:par>
-                    <p:cTn id="58" fill="hold">
-                      <p:stCondLst>
-                        <p:cond delay="indefinite"/>
-                      </p:stCondLst>
-                      <p:childTnLst>
-                        <p:par>
-                          <p:cTn id="59" fill="hold">
-                            <p:stCondLst>
-                              <p:cond delay="0"/>
-                            </p:stCondLst>
-                            <p:childTnLst>
-                              <p:par>
-                                <p:cTn id="60" presetID="10" presetClass="entr" presetSubtype="0" fill="hold" nodeType="clickEffect">
-                                  <p:stCondLst>
-                                    <p:cond delay="0"/>
-                                  </p:stCondLst>
-                                  <p:childTnLst>
-                                    <p:set>
-                                      <p:cBhvr>
-                                        <p:cTn id="61" dur="1" fill="hold">
-                                          <p:stCondLst>
-                                            <p:cond delay="0"/>
-                                          </p:stCondLst>
-                                        </p:cTn>
-                                        <p:tgtEl>
-                                          <p:spTgt spid="93">
-                                            <p:txEl>
-                                              <p:pRg st="11" end="11"/>
-                                            </p:txEl>
-                                          </p:spTgt>
-                                        </p:tgtEl>
-                                        <p:attrNameLst>
-                                          <p:attrName>style.visibility</p:attrName>
-                                        </p:attrNameLst>
-                                      </p:cBhvr>
-                                      <p:to>
-                                        <p:strVal val="visible"/>
-                                      </p:to>
-                                    </p:set>
-                                    <p:animEffect transition="in" filter="fade">
-                                      <p:cBhvr>
-                                        <p:cTn id="62" dur="1000"/>
-                                        <p:tgtEl>
-                                          <p:spTgt spid="93">
-                                            <p:txEl>
-                                              <p:pRg st="11" end="11"/>
-                                            </p:txEl>
-                                          </p:spTgt>
-                                        </p:tgtEl>
-                                      </p:cBhvr>
-                                    </p:animEffect>
-                                  </p:childTnLst>
-                                </p:cTn>
-                              </p:par>
-                            </p:childTnLst>
-                          </p:cTn>
-                        </p:par>
-                      </p:childTnLst>
-                    </p:cTn>
-                  </p:par>
-                  <p:par>
-                    <p:cTn id="63" fill="hold">
-                      <p:stCondLst>
-                        <p:cond delay="indefinite"/>
-                      </p:stCondLst>
-                      <p:childTnLst>
-                        <p:par>
-                          <p:cTn id="64" fill="hold">
-                            <p:stCondLst>
-                              <p:cond delay="0"/>
-                            </p:stCondLst>
-                            <p:childTnLst>
-                              <p:par>
-                                <p:cTn id="65" presetID="10" presetClass="entr" presetSubtype="0" fill="hold" nodeType="clickEffect">
-                                  <p:stCondLst>
-                                    <p:cond delay="0"/>
-                                  </p:stCondLst>
-                                  <p:childTnLst>
-                                    <p:set>
-                                      <p:cBhvr>
-                                        <p:cTn id="66" dur="1" fill="hold">
-                                          <p:stCondLst>
-                                            <p:cond delay="0"/>
-                                          </p:stCondLst>
-                                        </p:cTn>
-                                        <p:tgtEl>
-                                          <p:spTgt spid="93">
-                                            <p:txEl>
-                                              <p:pRg st="12" end="12"/>
-                                            </p:txEl>
-                                          </p:spTgt>
-                                        </p:tgtEl>
-                                        <p:attrNameLst>
-                                          <p:attrName>style.visibility</p:attrName>
-                                        </p:attrNameLst>
-                                      </p:cBhvr>
-                                      <p:to>
-                                        <p:strVal val="visible"/>
-                                      </p:to>
-                                    </p:set>
-                                    <p:animEffect transition="in" filter="fade">
-                                      <p:cBhvr>
-                                        <p:cTn id="67" dur="1000"/>
-                                        <p:tgtEl>
-                                          <p:spTgt spid="93">
-                                            <p:txEl>
-                                              <p:pRg st="12" end="12"/>
                                             </p:txEl>
                                           </p:spTgt>
                                         </p:tgtEl>
@@ -11846,7 +11514,7 @@
                   <a:srgbClr val="FFFFFF"/>
                 </a:solidFill>
               </a:rPr>
-              <a:t>Studio Solution, Lecture, Studio Walkthrough Studio</a:t>
+              <a:t>Studio Solution, Lecture, Studio Walkthrough, Studio</a:t>
             </a:r>
           </a:p>
           <a:p>

--- a/slides/Unit 2 - LC 101 - Class 1.pptx
+++ b/slides/Unit 2 - LC 101 - Class 1.pptx
@@ -10,17 +10,17 @@
   <p:sldIdLst>
     <p:sldId id="266" r:id="rId2"/>
     <p:sldId id="269" r:id="rId3"/>
-    <p:sldId id="256" r:id="rId4"/>
-    <p:sldId id="270" r:id="rId5"/>
-    <p:sldId id="257" r:id="rId6"/>
-    <p:sldId id="258" r:id="rId7"/>
-    <p:sldId id="259" r:id="rId8"/>
-    <p:sldId id="260" r:id="rId9"/>
-    <p:sldId id="265" r:id="rId10"/>
-    <p:sldId id="261" r:id="rId11"/>
-    <p:sldId id="262" r:id="rId12"/>
-    <p:sldId id="263" r:id="rId13"/>
-    <p:sldId id="264" r:id="rId14"/>
+    <p:sldId id="270" r:id="rId4"/>
+    <p:sldId id="257" r:id="rId5"/>
+    <p:sldId id="258" r:id="rId6"/>
+    <p:sldId id="259" r:id="rId7"/>
+    <p:sldId id="260" r:id="rId8"/>
+    <p:sldId id="265" r:id="rId9"/>
+    <p:sldId id="261" r:id="rId10"/>
+    <p:sldId id="262" r:id="rId11"/>
+    <p:sldId id="263" r:id="rId12"/>
+    <p:sldId id="264" r:id="rId13"/>
+    <p:sldId id="256" r:id="rId14"/>
   </p:sldIdLst>
   <p:sldSz cx="9144000" cy="5143500" type="screen16x9"/>
   <p:notesSz cx="6858000" cy="9144000"/>
@@ -814,110 +814,6 @@
   <p:cSld>
     <p:spTree>
       <p:nvGrpSpPr>
-        <p:cNvPr id="1" name="Shape 100"/>
-        <p:cNvGrpSpPr/>
-        <p:nvPr/>
-      </p:nvGrpSpPr>
-      <p:grpSpPr>
-        <a:xfrm>
-          <a:off x="0" y="0"/>
-          <a:ext cx="0" cy="0"/>
-          <a:chOff x="0" y="0"/>
-          <a:chExt cx="0" cy="0"/>
-        </a:xfrm>
-      </p:grpSpPr>
-      <p:sp>
-        <p:nvSpPr>
-          <p:cNvPr id="101" name="Shape 101"/>
-          <p:cNvSpPr>
-            <a:spLocks noGrp="1" noRot="1" noChangeAspect="1"/>
-          </p:cNvSpPr>
-          <p:nvPr>
-            <p:ph type="sldImg" idx="2"/>
-          </p:nvPr>
-        </p:nvSpPr>
-        <p:spPr>
-          <a:xfrm>
-            <a:off x="381000" y="685800"/>
-            <a:ext cx="6096000" cy="3429000"/>
-          </a:xfrm>
-          <a:custGeom>
-            <a:avLst/>
-            <a:gdLst/>
-            <a:ahLst/>
-            <a:cxnLst/>
-            <a:rect l="0" t="0" r="0" b="0"/>
-            <a:pathLst>
-              <a:path w="120000" h="120000" extrusionOk="0">
-                <a:moveTo>
-                  <a:pt x="0" y="0"/>
-                </a:moveTo>
-                <a:lnTo>
-                  <a:pt x="120000" y="0"/>
-                </a:lnTo>
-                <a:lnTo>
-                  <a:pt x="120000" y="120000"/>
-                </a:lnTo>
-                <a:lnTo>
-                  <a:pt x="0" y="120000"/>
-                </a:lnTo>
-                <a:close/>
-              </a:path>
-            </a:pathLst>
-          </a:custGeom>
-        </p:spPr>
-      </p:sp>
-      <p:sp>
-        <p:nvSpPr>
-          <p:cNvPr id="102" name="Shape 102"/>
-          <p:cNvSpPr txBox="1">
-            <a:spLocks noGrp="1"/>
-          </p:cNvSpPr>
-          <p:nvPr>
-            <p:ph type="body" idx="1"/>
-          </p:nvPr>
-        </p:nvSpPr>
-        <p:spPr>
-          <a:xfrm>
-            <a:off x="685800" y="4343400"/>
-            <a:ext cx="5486400" cy="4114800"/>
-          </a:xfrm>
-          <a:prstGeom prst="rect">
-            <a:avLst/>
-          </a:prstGeom>
-        </p:spPr>
-        <p:txBody>
-          <a:bodyPr spcFirstLastPara="1" wrap="square" lIns="91425" tIns="91425" rIns="91425" bIns="91425" anchor="t" anchorCtr="0">
-            <a:noAutofit/>
-          </a:bodyPr>
-          <a:lstStyle/>
-          <a:p>
-            <a:pPr marL="0" lvl="0" indent="0" rtl="0">
-              <a:spcBef>
-                <a:spcPts val="0"/>
-              </a:spcBef>
-              <a:spcAft>
-                <a:spcPts val="0"/>
-              </a:spcAft>
-              <a:buNone/>
-            </a:pPr>
-            <a:endParaRPr/>
-          </a:p>
-        </p:txBody>
-      </p:sp>
-    </p:spTree>
-  </p:cSld>
-  <p:clrMapOvr>
-    <a:masterClrMapping/>
-  </p:clrMapOvr>
-</p:notes>
-</file>
-
-<file path=ppt/notesSlides/notesSlide2.xml><?xml version="1.0" encoding="utf-8"?>
-<p:notes xmlns:a="http://schemas.openxmlformats.org/drawingml/2006/main" xmlns:r="http://schemas.openxmlformats.org/officeDocument/2006/relationships" xmlns:p="http://schemas.openxmlformats.org/presentationml/2006/main" showMasterSp="0" showMasterPhAnim="0">
-  <p:cSld>
-    <p:spTree>
-      <p:nvGrpSpPr>
         <p:cNvPr id="1" name="Shape 50"/>
         <p:cNvGrpSpPr/>
         <p:nvPr/>
@@ -1017,7 +913,7 @@
 </p:notes>
 </file>
 
-<file path=ppt/notesSlides/notesSlide3.xml><?xml version="1.0" encoding="utf-8"?>
+<file path=ppt/notesSlides/notesSlide2.xml><?xml version="1.0" encoding="utf-8"?>
 <p:notes xmlns:a="http://schemas.openxmlformats.org/drawingml/2006/main" xmlns:r="http://schemas.openxmlformats.org/officeDocument/2006/relationships" xmlns:p="http://schemas.openxmlformats.org/presentationml/2006/main" showMasterSp="0" showMasterPhAnim="0">
   <p:cSld>
     <p:spTree>
@@ -1121,7 +1017,7 @@
 </p:notes>
 </file>
 
-<file path=ppt/notesSlides/notesSlide4.xml><?xml version="1.0" encoding="utf-8"?>
+<file path=ppt/notesSlides/notesSlide3.xml><?xml version="1.0" encoding="utf-8"?>
 <p:notes xmlns:a="http://schemas.openxmlformats.org/drawingml/2006/main" xmlns:r="http://schemas.openxmlformats.org/officeDocument/2006/relationships" xmlns:p="http://schemas.openxmlformats.org/presentationml/2006/main" showMasterSp="0" showMasterPhAnim="0">
   <p:cSld>
     <p:spTree>
@@ -1225,7 +1121,7 @@
 </p:notes>
 </file>
 
-<file path=ppt/notesSlides/notesSlide5.xml><?xml version="1.0" encoding="utf-8"?>
+<file path=ppt/notesSlides/notesSlide4.xml><?xml version="1.0" encoding="utf-8"?>
 <p:notes xmlns:a="http://schemas.openxmlformats.org/drawingml/2006/main" xmlns:r="http://schemas.openxmlformats.org/officeDocument/2006/relationships" xmlns:p="http://schemas.openxmlformats.org/presentationml/2006/main" showMasterSp="0" showMasterPhAnim="0">
   <p:cSld>
     <p:spTree>
@@ -1329,7 +1225,7 @@
 </p:notes>
 </file>
 
-<file path=ppt/notesSlides/notesSlide6.xml><?xml version="1.0" encoding="utf-8"?>
+<file path=ppt/notesSlides/notesSlide5.xml><?xml version="1.0" encoding="utf-8"?>
 <p:notes xmlns:a="http://schemas.openxmlformats.org/drawingml/2006/main" xmlns:r="http://schemas.openxmlformats.org/officeDocument/2006/relationships" xmlns:p="http://schemas.openxmlformats.org/presentationml/2006/main" showMasterSp="0" showMasterPhAnim="0">
   <p:cSld>
     <p:spTree>
@@ -1433,7 +1329,7 @@
 </p:notes>
 </file>
 
-<file path=ppt/notesSlides/notesSlide7.xml><?xml version="1.0" encoding="utf-8"?>
+<file path=ppt/notesSlides/notesSlide6.xml><?xml version="1.0" encoding="utf-8"?>
 <p:notes xmlns:a="http://schemas.openxmlformats.org/drawingml/2006/main" xmlns:r="http://schemas.openxmlformats.org/officeDocument/2006/relationships" xmlns:p="http://schemas.openxmlformats.org/presentationml/2006/main" showMasterSp="0" showMasterPhAnim="0">
   <p:cSld>
     <p:spTree>
@@ -1537,7 +1433,7 @@
 </p:notes>
 </file>
 
-<file path=ppt/notesSlides/notesSlide8.xml><?xml version="1.0" encoding="utf-8"?>
+<file path=ppt/notesSlides/notesSlide7.xml><?xml version="1.0" encoding="utf-8"?>
 <p:notes xmlns:a="http://schemas.openxmlformats.org/drawingml/2006/main" xmlns:r="http://schemas.openxmlformats.org/officeDocument/2006/relationships" xmlns:p="http://schemas.openxmlformats.org/presentationml/2006/main" showMasterSp="0" showMasterPhAnim="0">
   <p:cSld>
     <p:spTree>
@@ -1641,7 +1537,7 @@
 </p:notes>
 </file>
 
-<file path=ppt/notesSlides/notesSlide9.xml><?xml version="1.0" encoding="utf-8"?>
+<file path=ppt/notesSlides/notesSlide8.xml><?xml version="1.0" encoding="utf-8"?>
 <p:notes xmlns:a="http://schemas.openxmlformats.org/drawingml/2006/main" xmlns:r="http://schemas.openxmlformats.org/officeDocument/2006/relationships" xmlns:p="http://schemas.openxmlformats.org/presentationml/2006/main" showMasterSp="0" showMasterPhAnim="0">
   <p:cSld>
     <p:spTree>
@@ -1702,6 +1598,110 @@
       <p:sp>
         <p:nvSpPr>
           <p:cNvPr id="96" name="Shape 96"/>
+          <p:cNvSpPr txBox="1">
+            <a:spLocks noGrp="1"/>
+          </p:cNvSpPr>
+          <p:nvPr>
+            <p:ph type="body" idx="1"/>
+          </p:nvPr>
+        </p:nvSpPr>
+        <p:spPr>
+          <a:xfrm>
+            <a:off x="685800" y="4343400"/>
+            <a:ext cx="5486400" cy="4114800"/>
+          </a:xfrm>
+          <a:prstGeom prst="rect">
+            <a:avLst/>
+          </a:prstGeom>
+        </p:spPr>
+        <p:txBody>
+          <a:bodyPr spcFirstLastPara="1" wrap="square" lIns="91425" tIns="91425" rIns="91425" bIns="91425" anchor="t" anchorCtr="0">
+            <a:noAutofit/>
+          </a:bodyPr>
+          <a:lstStyle/>
+          <a:p>
+            <a:pPr marL="0" lvl="0" indent="0" rtl="0">
+              <a:spcBef>
+                <a:spcPts val="0"/>
+              </a:spcBef>
+              <a:spcAft>
+                <a:spcPts val="0"/>
+              </a:spcAft>
+              <a:buNone/>
+            </a:pPr>
+            <a:endParaRPr/>
+          </a:p>
+        </p:txBody>
+      </p:sp>
+    </p:spTree>
+  </p:cSld>
+  <p:clrMapOvr>
+    <a:masterClrMapping/>
+  </p:clrMapOvr>
+</p:notes>
+</file>
+
+<file path=ppt/notesSlides/notesSlide9.xml><?xml version="1.0" encoding="utf-8"?>
+<p:notes xmlns:a="http://schemas.openxmlformats.org/drawingml/2006/main" xmlns:r="http://schemas.openxmlformats.org/officeDocument/2006/relationships" xmlns:p="http://schemas.openxmlformats.org/presentationml/2006/main" showMasterSp="0" showMasterPhAnim="0">
+  <p:cSld>
+    <p:spTree>
+      <p:nvGrpSpPr>
+        <p:cNvPr id="1" name="Shape 100"/>
+        <p:cNvGrpSpPr/>
+        <p:nvPr/>
+      </p:nvGrpSpPr>
+      <p:grpSpPr>
+        <a:xfrm>
+          <a:off x="0" y="0"/>
+          <a:ext cx="0" cy="0"/>
+          <a:chOff x="0" y="0"/>
+          <a:chExt cx="0" cy="0"/>
+        </a:xfrm>
+      </p:grpSpPr>
+      <p:sp>
+        <p:nvSpPr>
+          <p:cNvPr id="101" name="Shape 101"/>
+          <p:cNvSpPr>
+            <a:spLocks noGrp="1" noRot="1" noChangeAspect="1"/>
+          </p:cNvSpPr>
+          <p:nvPr>
+            <p:ph type="sldImg" idx="2"/>
+          </p:nvPr>
+        </p:nvSpPr>
+        <p:spPr>
+          <a:xfrm>
+            <a:off x="381000" y="685800"/>
+            <a:ext cx="6096000" cy="3429000"/>
+          </a:xfrm>
+          <a:custGeom>
+            <a:avLst/>
+            <a:gdLst/>
+            <a:ahLst/>
+            <a:cxnLst/>
+            <a:rect l="0" t="0" r="0" b="0"/>
+            <a:pathLst>
+              <a:path w="120000" h="120000" extrusionOk="0">
+                <a:moveTo>
+                  <a:pt x="0" y="0"/>
+                </a:moveTo>
+                <a:lnTo>
+                  <a:pt x="120000" y="0"/>
+                </a:lnTo>
+                <a:lnTo>
+                  <a:pt x="120000" y="120000"/>
+                </a:lnTo>
+                <a:lnTo>
+                  <a:pt x="0" y="120000"/>
+                </a:lnTo>
+                <a:close/>
+              </a:path>
+            </a:pathLst>
+          </a:custGeom>
+        </p:spPr>
+      </p:sp>
+      <p:sp>
+        <p:nvSpPr>
+          <p:cNvPr id="102" name="Shape 102"/>
           <p:cNvSpPr txBox="1">
             <a:spLocks noGrp="1"/>
           </p:cNvSpPr>
@@ -6550,1238 +6550,6 @@
   <p:cSld>
     <p:spTree>
       <p:nvGrpSpPr>
-        <p:cNvPr id="1" name="Shape 85"/>
-        <p:cNvGrpSpPr/>
-        <p:nvPr/>
-      </p:nvGrpSpPr>
-      <p:grpSpPr>
-        <a:xfrm>
-          <a:off x="0" y="0"/>
-          <a:ext cx="0" cy="0"/>
-          <a:chOff x="0" y="0"/>
-          <a:chExt cx="0" cy="0"/>
-        </a:xfrm>
-      </p:grpSpPr>
-      <p:sp>
-        <p:nvSpPr>
-          <p:cNvPr id="86" name="Shape 86"/>
-          <p:cNvSpPr txBox="1">
-            <a:spLocks noGrp="1"/>
-          </p:cNvSpPr>
-          <p:nvPr>
-            <p:ph type="title"/>
-          </p:nvPr>
-        </p:nvSpPr>
-        <p:spPr>
-          <a:xfrm>
-            <a:off x="62275" y="-124550"/>
-            <a:ext cx="8769900" cy="524700"/>
-          </a:xfrm>
-          <a:prstGeom prst="rect">
-            <a:avLst/>
-          </a:prstGeom>
-        </p:spPr>
-        <p:txBody>
-          <a:bodyPr spcFirstLastPara="1" wrap="square" lIns="91425" tIns="91425" rIns="91425" bIns="91425" anchor="t" anchorCtr="0">
-            <a:noAutofit/>
-          </a:bodyPr>
-          <a:lstStyle/>
-          <a:p>
-            <a:pPr marL="0" lvl="0" indent="0" rtl="0">
-              <a:spcBef>
-                <a:spcPts val="0"/>
-              </a:spcBef>
-              <a:spcAft>
-                <a:spcPts val="0"/>
-              </a:spcAft>
-              <a:buNone/>
-            </a:pPr>
-            <a:r>
-              <a:rPr lang="en" sz="4000"/>
-              <a:t>How do you use a VCS?</a:t>
-            </a:r>
-            <a:endParaRPr sz="4000"/>
-          </a:p>
-        </p:txBody>
-      </p:sp>
-      <p:sp>
-        <p:nvSpPr>
-          <p:cNvPr id="87" name="Shape 87"/>
-          <p:cNvSpPr txBox="1"/>
-          <p:nvPr/>
-        </p:nvSpPr>
-        <p:spPr>
-          <a:xfrm>
-            <a:off x="418050" y="658225"/>
-            <a:ext cx="8619300" cy="4349700"/>
-          </a:xfrm>
-          <a:prstGeom prst="rect">
-            <a:avLst/>
-          </a:prstGeom>
-          <a:noFill/>
-          <a:ln>
-            <a:noFill/>
-          </a:ln>
-        </p:spPr>
-        <p:txBody>
-          <a:bodyPr spcFirstLastPara="1" wrap="square" lIns="91425" tIns="91425" rIns="91425" bIns="91425" anchor="t" anchorCtr="0">
-            <a:noAutofit/>
-          </a:bodyPr>
-          <a:lstStyle/>
-          <a:p>
-            <a:pPr marL="457200" lvl="0" indent="-381000" rtl="0">
-              <a:lnSpc>
-                <a:spcPct val="150000"/>
-              </a:lnSpc>
-              <a:spcBef>
-                <a:spcPts val="0"/>
-              </a:spcBef>
-              <a:spcAft>
-                <a:spcPts val="0"/>
-              </a:spcAft>
-              <a:buClr>
-                <a:srgbClr val="FFFFFF"/>
-              </a:buClr>
-              <a:buSzPts val="2400"/>
-              <a:buChar char="●"/>
-            </a:pPr>
-            <a:r>
-              <a:rPr lang="en" sz="2400">
-                <a:solidFill>
-                  <a:srgbClr val="FFFFFF"/>
-                </a:solidFill>
-              </a:rPr>
-              <a:t>Install the VCS software on your computer</a:t>
-            </a:r>
-            <a:endParaRPr sz="2400">
-              <a:solidFill>
-                <a:srgbClr val="FFFFFF"/>
-              </a:solidFill>
-            </a:endParaRPr>
-          </a:p>
-          <a:p>
-            <a:pPr marL="457200" lvl="0" indent="-381000" rtl="0">
-              <a:lnSpc>
-                <a:spcPct val="150000"/>
-              </a:lnSpc>
-              <a:spcBef>
-                <a:spcPts val="0"/>
-              </a:spcBef>
-              <a:spcAft>
-                <a:spcPts val="0"/>
-              </a:spcAft>
-              <a:buClr>
-                <a:srgbClr val="FFFFFF"/>
-              </a:buClr>
-              <a:buSzPts val="2400"/>
-              <a:buChar char="●"/>
-            </a:pPr>
-            <a:r>
-              <a:rPr lang="en" sz="2400">
-                <a:solidFill>
-                  <a:srgbClr val="FFFFFF"/>
-                </a:solidFill>
-              </a:rPr>
-              <a:t>Setup a repository on your computer (two options)</a:t>
-            </a:r>
-            <a:endParaRPr sz="2400">
-              <a:solidFill>
-                <a:srgbClr val="FFFFFF"/>
-              </a:solidFill>
-            </a:endParaRPr>
-          </a:p>
-          <a:p>
-            <a:pPr marL="914400" lvl="1" indent="-381000" rtl="0">
-              <a:lnSpc>
-                <a:spcPct val="150000"/>
-              </a:lnSpc>
-              <a:spcBef>
-                <a:spcPts val="0"/>
-              </a:spcBef>
-              <a:spcAft>
-                <a:spcPts val="0"/>
-              </a:spcAft>
-              <a:buClr>
-                <a:srgbClr val="FFFFFF"/>
-              </a:buClr>
-              <a:buSzPts val="2400"/>
-              <a:buChar char="○"/>
-            </a:pPr>
-            <a:r>
-              <a:rPr lang="en" sz="2400">
-                <a:solidFill>
-                  <a:srgbClr val="FFFFFF"/>
-                </a:solidFill>
-              </a:rPr>
-              <a:t>1) create/initialize a repository in a folder OR</a:t>
-            </a:r>
-            <a:endParaRPr sz="2400">
-              <a:solidFill>
-                <a:srgbClr val="FFFFFF"/>
-              </a:solidFill>
-            </a:endParaRPr>
-          </a:p>
-          <a:p>
-            <a:pPr marL="914400" lvl="1" indent="-381000" rtl="0">
-              <a:lnSpc>
-                <a:spcPct val="150000"/>
-              </a:lnSpc>
-              <a:spcBef>
-                <a:spcPts val="0"/>
-              </a:spcBef>
-              <a:spcAft>
-                <a:spcPts val="0"/>
-              </a:spcAft>
-              <a:buClr>
-                <a:srgbClr val="FFFFFF"/>
-              </a:buClr>
-              <a:buSzPts val="2400"/>
-              <a:buChar char="○"/>
-            </a:pPr>
-            <a:r>
-              <a:rPr lang="en" sz="2400">
-                <a:solidFill>
-                  <a:srgbClr val="FFFFFF"/>
-                </a:solidFill>
-              </a:rPr>
-              <a:t>2) download/clone an existing remote repository</a:t>
-            </a:r>
-            <a:endParaRPr sz="2400">
-              <a:solidFill>
-                <a:srgbClr val="FFFFFF"/>
-              </a:solidFill>
-            </a:endParaRPr>
-          </a:p>
-          <a:p>
-            <a:pPr marL="457200" lvl="0" indent="-381000" rtl="0">
-              <a:lnSpc>
-                <a:spcPct val="150000"/>
-              </a:lnSpc>
-              <a:spcBef>
-                <a:spcPts val="0"/>
-              </a:spcBef>
-              <a:spcAft>
-                <a:spcPts val="0"/>
-              </a:spcAft>
-              <a:buClr>
-                <a:srgbClr val="FFFFFF"/>
-              </a:buClr>
-              <a:buSzPts val="2400"/>
-              <a:buChar char="●"/>
-            </a:pPr>
-            <a:r>
-              <a:rPr lang="en" sz="2400">
-                <a:solidFill>
-                  <a:srgbClr val="FFFFFF"/>
-                </a:solidFill>
-              </a:rPr>
-              <a:t>Commit files/changes to that repository</a:t>
-            </a:r>
-            <a:endParaRPr sz="2400">
-              <a:solidFill>
-                <a:srgbClr val="FFFFFF"/>
-              </a:solidFill>
-            </a:endParaRPr>
-          </a:p>
-          <a:p>
-            <a:pPr marL="457200" lvl="0" indent="-381000" rtl="0">
-              <a:lnSpc>
-                <a:spcPct val="150000"/>
-              </a:lnSpc>
-              <a:spcBef>
-                <a:spcPts val="0"/>
-              </a:spcBef>
-              <a:spcAft>
-                <a:spcPts val="0"/>
-              </a:spcAft>
-              <a:buClr>
-                <a:srgbClr val="FFFFFF"/>
-              </a:buClr>
-              <a:buSzPts val="2400"/>
-              <a:buChar char="●"/>
-            </a:pPr>
-            <a:r>
-              <a:rPr lang="en" sz="2400">
-                <a:solidFill>
-                  <a:srgbClr val="FFFFFF"/>
-                </a:solidFill>
-              </a:rPr>
-              <a:t>If using a remote repository you can push changes</a:t>
-            </a:r>
-            <a:endParaRPr sz="2400">
-              <a:solidFill>
-                <a:srgbClr val="FFFFFF"/>
-              </a:solidFill>
-            </a:endParaRPr>
-          </a:p>
-          <a:p>
-            <a:pPr marL="0" marR="0" lvl="0" indent="0" algn="l" rtl="0">
-              <a:lnSpc>
-                <a:spcPct val="115000"/>
-              </a:lnSpc>
-              <a:spcBef>
-                <a:spcPts val="0"/>
-              </a:spcBef>
-              <a:spcAft>
-                <a:spcPts val="0"/>
-              </a:spcAft>
-              <a:buNone/>
-            </a:pPr>
-            <a:endParaRPr sz="2400">
-              <a:solidFill>
-                <a:srgbClr val="FFFFFF"/>
-              </a:solidFill>
-            </a:endParaRPr>
-          </a:p>
-          <a:p>
-            <a:pPr marL="0" marR="0" lvl="0" indent="0" algn="l" rtl="0">
-              <a:lnSpc>
-                <a:spcPct val="115000"/>
-              </a:lnSpc>
-              <a:spcBef>
-                <a:spcPts val="0"/>
-              </a:spcBef>
-              <a:spcAft>
-                <a:spcPts val="0"/>
-              </a:spcAft>
-              <a:buNone/>
-            </a:pPr>
-            <a:endParaRPr sz="2400">
-              <a:solidFill>
-                <a:srgbClr val="FFFFFF"/>
-              </a:solidFill>
-            </a:endParaRPr>
-          </a:p>
-          <a:p>
-            <a:pPr marL="0" lvl="0" indent="0" rtl="0">
-              <a:lnSpc>
-                <a:spcPct val="115000"/>
-              </a:lnSpc>
-              <a:spcBef>
-                <a:spcPts val="0"/>
-              </a:spcBef>
-              <a:spcAft>
-                <a:spcPts val="0"/>
-              </a:spcAft>
-              <a:buNone/>
-            </a:pPr>
-            <a:endParaRPr sz="2400">
-              <a:solidFill>
-                <a:schemeClr val="dk1"/>
-              </a:solidFill>
-            </a:endParaRPr>
-          </a:p>
-          <a:p>
-            <a:pPr marL="0" lvl="0" indent="0" rtl="0">
-              <a:lnSpc>
-                <a:spcPct val="115000"/>
-              </a:lnSpc>
-              <a:spcBef>
-                <a:spcPts val="1000"/>
-              </a:spcBef>
-              <a:spcAft>
-                <a:spcPts val="0"/>
-              </a:spcAft>
-              <a:buNone/>
-            </a:pPr>
-            <a:endParaRPr sz="2200">
-              <a:solidFill>
-                <a:srgbClr val="FFFFFF"/>
-              </a:solidFill>
-            </a:endParaRPr>
-          </a:p>
-          <a:p>
-            <a:pPr marL="0" lvl="0" indent="0" rtl="0">
-              <a:lnSpc>
-                <a:spcPct val="115000"/>
-              </a:lnSpc>
-              <a:spcBef>
-                <a:spcPts val="0"/>
-              </a:spcBef>
-              <a:spcAft>
-                <a:spcPts val="0"/>
-              </a:spcAft>
-              <a:buNone/>
-            </a:pPr>
-            <a:endParaRPr sz="2200">
-              <a:solidFill>
-                <a:srgbClr val="FFFFFF"/>
-              </a:solidFill>
-            </a:endParaRPr>
-          </a:p>
-          <a:p>
-            <a:pPr marL="0" marR="0" lvl="0" indent="0" algn="l" rtl="0">
-              <a:lnSpc>
-                <a:spcPct val="100000"/>
-              </a:lnSpc>
-              <a:spcBef>
-                <a:spcPts val="0"/>
-              </a:spcBef>
-              <a:spcAft>
-                <a:spcPts val="0"/>
-              </a:spcAft>
-              <a:buNone/>
-            </a:pPr>
-            <a:endParaRPr sz="2400">
-              <a:solidFill>
-                <a:srgbClr val="FFFFFF"/>
-              </a:solidFill>
-            </a:endParaRPr>
-          </a:p>
-          <a:p>
-            <a:pPr marL="0" lvl="0" indent="0" rtl="0">
-              <a:spcBef>
-                <a:spcPts val="0"/>
-              </a:spcBef>
-              <a:spcAft>
-                <a:spcPts val="0"/>
-              </a:spcAft>
-              <a:buNone/>
-            </a:pPr>
-            <a:endParaRPr sz="2400">
-              <a:solidFill>
-                <a:srgbClr val="FFFFFF"/>
-              </a:solidFill>
-            </a:endParaRPr>
-          </a:p>
-        </p:txBody>
-      </p:sp>
-    </p:spTree>
-  </p:cSld>
-  <p:clrMapOvr>
-    <a:masterClrMapping/>
-  </p:clrMapOvr>
-  <p:timing>
-    <p:tnLst>
-      <p:par>
-        <p:cTn id="1" dur="indefinite" restart="never" nodeType="tmRoot">
-          <p:childTnLst>
-            <p:seq concurrent="1" nextAc="seek">
-              <p:cTn id="2" dur="indefinite" nodeType="mainSeq">
-                <p:childTnLst>
-                  <p:par>
-                    <p:cTn id="3" fill="hold">
-                      <p:stCondLst>
-                        <p:cond delay="indefinite"/>
-                      </p:stCondLst>
-                      <p:childTnLst>
-                        <p:par>
-                          <p:cTn id="4" fill="hold">
-                            <p:stCondLst>
-                              <p:cond delay="0"/>
-                            </p:stCondLst>
-                            <p:childTnLst>
-                              <p:par>
-                                <p:cTn id="5" presetID="10" presetClass="entr" presetSubtype="0" fill="hold" nodeType="clickEffect">
-                                  <p:stCondLst>
-                                    <p:cond delay="0"/>
-                                  </p:stCondLst>
-                                  <p:childTnLst>
-                                    <p:set>
-                                      <p:cBhvr>
-                                        <p:cTn id="6" dur="1" fill="hold">
-                                          <p:stCondLst>
-                                            <p:cond delay="0"/>
-                                          </p:stCondLst>
-                                        </p:cTn>
-                                        <p:tgtEl>
-                                          <p:spTgt spid="87">
-                                            <p:txEl>
-                                              <p:pRg st="0" end="0"/>
-                                            </p:txEl>
-                                          </p:spTgt>
-                                        </p:tgtEl>
-                                        <p:attrNameLst>
-                                          <p:attrName>style.visibility</p:attrName>
-                                        </p:attrNameLst>
-                                      </p:cBhvr>
-                                      <p:to>
-                                        <p:strVal val="visible"/>
-                                      </p:to>
-                                    </p:set>
-                                    <p:animEffect transition="in" filter="fade">
-                                      <p:cBhvr>
-                                        <p:cTn id="7" dur="1000"/>
-                                        <p:tgtEl>
-                                          <p:spTgt spid="87">
-                                            <p:txEl>
-                                              <p:pRg st="0" end="0"/>
-                                            </p:txEl>
-                                          </p:spTgt>
-                                        </p:tgtEl>
-                                      </p:cBhvr>
-                                    </p:animEffect>
-                                  </p:childTnLst>
-                                </p:cTn>
-                              </p:par>
-                            </p:childTnLst>
-                          </p:cTn>
-                        </p:par>
-                      </p:childTnLst>
-                    </p:cTn>
-                  </p:par>
-                  <p:par>
-                    <p:cTn id="8" fill="hold">
-                      <p:stCondLst>
-                        <p:cond delay="indefinite"/>
-                      </p:stCondLst>
-                      <p:childTnLst>
-                        <p:par>
-                          <p:cTn id="9" fill="hold">
-                            <p:stCondLst>
-                              <p:cond delay="0"/>
-                            </p:stCondLst>
-                            <p:childTnLst>
-                              <p:par>
-                                <p:cTn id="10" presetID="10" presetClass="entr" presetSubtype="0" fill="hold" nodeType="clickEffect">
-                                  <p:stCondLst>
-                                    <p:cond delay="0"/>
-                                  </p:stCondLst>
-                                  <p:childTnLst>
-                                    <p:set>
-                                      <p:cBhvr>
-                                        <p:cTn id="11" dur="1" fill="hold">
-                                          <p:stCondLst>
-                                            <p:cond delay="0"/>
-                                          </p:stCondLst>
-                                        </p:cTn>
-                                        <p:tgtEl>
-                                          <p:spTgt spid="87">
-                                            <p:txEl>
-                                              <p:pRg st="1" end="1"/>
-                                            </p:txEl>
-                                          </p:spTgt>
-                                        </p:tgtEl>
-                                        <p:attrNameLst>
-                                          <p:attrName>style.visibility</p:attrName>
-                                        </p:attrNameLst>
-                                      </p:cBhvr>
-                                      <p:to>
-                                        <p:strVal val="visible"/>
-                                      </p:to>
-                                    </p:set>
-                                    <p:animEffect transition="in" filter="fade">
-                                      <p:cBhvr>
-                                        <p:cTn id="12" dur="1000"/>
-                                        <p:tgtEl>
-                                          <p:spTgt spid="87">
-                                            <p:txEl>
-                                              <p:pRg st="1" end="1"/>
-                                            </p:txEl>
-                                          </p:spTgt>
-                                        </p:tgtEl>
-                                      </p:cBhvr>
-                                    </p:animEffect>
-                                  </p:childTnLst>
-                                </p:cTn>
-                              </p:par>
-                            </p:childTnLst>
-                          </p:cTn>
-                        </p:par>
-                      </p:childTnLst>
-                    </p:cTn>
-                  </p:par>
-                  <p:par>
-                    <p:cTn id="13" fill="hold">
-                      <p:stCondLst>
-                        <p:cond delay="indefinite"/>
-                      </p:stCondLst>
-                      <p:childTnLst>
-                        <p:par>
-                          <p:cTn id="14" fill="hold">
-                            <p:stCondLst>
-                              <p:cond delay="0"/>
-                            </p:stCondLst>
-                            <p:childTnLst>
-                              <p:par>
-                                <p:cTn id="15" presetID="10" presetClass="entr" presetSubtype="0" fill="hold" nodeType="clickEffect">
-                                  <p:stCondLst>
-                                    <p:cond delay="0"/>
-                                  </p:stCondLst>
-                                  <p:childTnLst>
-                                    <p:set>
-                                      <p:cBhvr>
-                                        <p:cTn id="16" dur="1" fill="hold">
-                                          <p:stCondLst>
-                                            <p:cond delay="0"/>
-                                          </p:stCondLst>
-                                        </p:cTn>
-                                        <p:tgtEl>
-                                          <p:spTgt spid="87">
-                                            <p:txEl>
-                                              <p:pRg st="2" end="2"/>
-                                            </p:txEl>
-                                          </p:spTgt>
-                                        </p:tgtEl>
-                                        <p:attrNameLst>
-                                          <p:attrName>style.visibility</p:attrName>
-                                        </p:attrNameLst>
-                                      </p:cBhvr>
-                                      <p:to>
-                                        <p:strVal val="visible"/>
-                                      </p:to>
-                                    </p:set>
-                                    <p:animEffect transition="in" filter="fade">
-                                      <p:cBhvr>
-                                        <p:cTn id="17" dur="1000"/>
-                                        <p:tgtEl>
-                                          <p:spTgt spid="87">
-                                            <p:txEl>
-                                              <p:pRg st="2" end="2"/>
-                                            </p:txEl>
-                                          </p:spTgt>
-                                        </p:tgtEl>
-                                      </p:cBhvr>
-                                    </p:animEffect>
-                                  </p:childTnLst>
-                                </p:cTn>
-                              </p:par>
-                            </p:childTnLst>
-                          </p:cTn>
-                        </p:par>
-                      </p:childTnLst>
-                    </p:cTn>
-                  </p:par>
-                  <p:par>
-                    <p:cTn id="18" fill="hold">
-                      <p:stCondLst>
-                        <p:cond delay="indefinite"/>
-                      </p:stCondLst>
-                      <p:childTnLst>
-                        <p:par>
-                          <p:cTn id="19" fill="hold">
-                            <p:stCondLst>
-                              <p:cond delay="0"/>
-                            </p:stCondLst>
-                            <p:childTnLst>
-                              <p:par>
-                                <p:cTn id="20" presetID="10" presetClass="entr" presetSubtype="0" fill="hold" nodeType="clickEffect">
-                                  <p:stCondLst>
-                                    <p:cond delay="0"/>
-                                  </p:stCondLst>
-                                  <p:childTnLst>
-                                    <p:set>
-                                      <p:cBhvr>
-                                        <p:cTn id="21" dur="1" fill="hold">
-                                          <p:stCondLst>
-                                            <p:cond delay="0"/>
-                                          </p:stCondLst>
-                                        </p:cTn>
-                                        <p:tgtEl>
-                                          <p:spTgt spid="87">
-                                            <p:txEl>
-                                              <p:pRg st="3" end="3"/>
-                                            </p:txEl>
-                                          </p:spTgt>
-                                        </p:tgtEl>
-                                        <p:attrNameLst>
-                                          <p:attrName>style.visibility</p:attrName>
-                                        </p:attrNameLst>
-                                      </p:cBhvr>
-                                      <p:to>
-                                        <p:strVal val="visible"/>
-                                      </p:to>
-                                    </p:set>
-                                    <p:animEffect transition="in" filter="fade">
-                                      <p:cBhvr>
-                                        <p:cTn id="22" dur="1000"/>
-                                        <p:tgtEl>
-                                          <p:spTgt spid="87">
-                                            <p:txEl>
-                                              <p:pRg st="3" end="3"/>
-                                            </p:txEl>
-                                          </p:spTgt>
-                                        </p:tgtEl>
-                                      </p:cBhvr>
-                                    </p:animEffect>
-                                  </p:childTnLst>
-                                </p:cTn>
-                              </p:par>
-                            </p:childTnLst>
-                          </p:cTn>
-                        </p:par>
-                      </p:childTnLst>
-                    </p:cTn>
-                  </p:par>
-                  <p:par>
-                    <p:cTn id="23" fill="hold">
-                      <p:stCondLst>
-                        <p:cond delay="indefinite"/>
-                      </p:stCondLst>
-                      <p:childTnLst>
-                        <p:par>
-                          <p:cTn id="24" fill="hold">
-                            <p:stCondLst>
-                              <p:cond delay="0"/>
-                            </p:stCondLst>
-                            <p:childTnLst>
-                              <p:par>
-                                <p:cTn id="25" presetID="10" presetClass="entr" presetSubtype="0" fill="hold" nodeType="clickEffect">
-                                  <p:stCondLst>
-                                    <p:cond delay="0"/>
-                                  </p:stCondLst>
-                                  <p:childTnLst>
-                                    <p:set>
-                                      <p:cBhvr>
-                                        <p:cTn id="26" dur="1" fill="hold">
-                                          <p:stCondLst>
-                                            <p:cond delay="0"/>
-                                          </p:stCondLst>
-                                        </p:cTn>
-                                        <p:tgtEl>
-                                          <p:spTgt spid="87">
-                                            <p:txEl>
-                                              <p:pRg st="4" end="4"/>
-                                            </p:txEl>
-                                          </p:spTgt>
-                                        </p:tgtEl>
-                                        <p:attrNameLst>
-                                          <p:attrName>style.visibility</p:attrName>
-                                        </p:attrNameLst>
-                                      </p:cBhvr>
-                                      <p:to>
-                                        <p:strVal val="visible"/>
-                                      </p:to>
-                                    </p:set>
-                                    <p:animEffect transition="in" filter="fade">
-                                      <p:cBhvr>
-                                        <p:cTn id="27" dur="1000"/>
-                                        <p:tgtEl>
-                                          <p:spTgt spid="87">
-                                            <p:txEl>
-                                              <p:pRg st="4" end="4"/>
-                                            </p:txEl>
-                                          </p:spTgt>
-                                        </p:tgtEl>
-                                      </p:cBhvr>
-                                    </p:animEffect>
-                                  </p:childTnLst>
-                                </p:cTn>
-                              </p:par>
-                            </p:childTnLst>
-                          </p:cTn>
-                        </p:par>
-                      </p:childTnLst>
-                    </p:cTn>
-                  </p:par>
-                  <p:par>
-                    <p:cTn id="28" fill="hold">
-                      <p:stCondLst>
-                        <p:cond delay="indefinite"/>
-                      </p:stCondLst>
-                      <p:childTnLst>
-                        <p:par>
-                          <p:cTn id="29" fill="hold">
-                            <p:stCondLst>
-                              <p:cond delay="0"/>
-                            </p:stCondLst>
-                            <p:childTnLst>
-                              <p:par>
-                                <p:cTn id="30" presetID="10" presetClass="entr" presetSubtype="0" fill="hold" nodeType="clickEffect">
-                                  <p:stCondLst>
-                                    <p:cond delay="0"/>
-                                  </p:stCondLst>
-                                  <p:childTnLst>
-                                    <p:set>
-                                      <p:cBhvr>
-                                        <p:cTn id="31" dur="1" fill="hold">
-                                          <p:stCondLst>
-                                            <p:cond delay="0"/>
-                                          </p:stCondLst>
-                                        </p:cTn>
-                                        <p:tgtEl>
-                                          <p:spTgt spid="87">
-                                            <p:txEl>
-                                              <p:pRg st="5" end="5"/>
-                                            </p:txEl>
-                                          </p:spTgt>
-                                        </p:tgtEl>
-                                        <p:attrNameLst>
-                                          <p:attrName>style.visibility</p:attrName>
-                                        </p:attrNameLst>
-                                      </p:cBhvr>
-                                      <p:to>
-                                        <p:strVal val="visible"/>
-                                      </p:to>
-                                    </p:set>
-                                    <p:animEffect transition="in" filter="fade">
-                                      <p:cBhvr>
-                                        <p:cTn id="32" dur="1000"/>
-                                        <p:tgtEl>
-                                          <p:spTgt spid="87">
-                                            <p:txEl>
-                                              <p:pRg st="5" end="5"/>
-                                            </p:txEl>
-                                          </p:spTgt>
-                                        </p:tgtEl>
-                                      </p:cBhvr>
-                                    </p:animEffect>
-                                  </p:childTnLst>
-                                </p:cTn>
-                              </p:par>
-                            </p:childTnLst>
-                          </p:cTn>
-                        </p:par>
-                      </p:childTnLst>
-                    </p:cTn>
-                  </p:par>
-                  <p:par>
-                    <p:cTn id="33" fill="hold">
-                      <p:stCondLst>
-                        <p:cond delay="indefinite"/>
-                      </p:stCondLst>
-                      <p:childTnLst>
-                        <p:par>
-                          <p:cTn id="34" fill="hold">
-                            <p:stCondLst>
-                              <p:cond delay="0"/>
-                            </p:stCondLst>
-                            <p:childTnLst>
-                              <p:par>
-                                <p:cTn id="35" presetID="10" presetClass="entr" presetSubtype="0" fill="hold" nodeType="clickEffect">
-                                  <p:stCondLst>
-                                    <p:cond delay="0"/>
-                                  </p:stCondLst>
-                                  <p:childTnLst>
-                                    <p:set>
-                                      <p:cBhvr>
-                                        <p:cTn id="36" dur="1" fill="hold">
-                                          <p:stCondLst>
-                                            <p:cond delay="0"/>
-                                          </p:stCondLst>
-                                        </p:cTn>
-                                        <p:tgtEl>
-                                          <p:spTgt spid="87">
-                                            <p:txEl>
-                                              <p:pRg st="6" end="6"/>
-                                            </p:txEl>
-                                          </p:spTgt>
-                                        </p:tgtEl>
-                                        <p:attrNameLst>
-                                          <p:attrName>style.visibility</p:attrName>
-                                        </p:attrNameLst>
-                                      </p:cBhvr>
-                                      <p:to>
-                                        <p:strVal val="visible"/>
-                                      </p:to>
-                                    </p:set>
-                                    <p:animEffect transition="in" filter="fade">
-                                      <p:cBhvr>
-                                        <p:cTn id="37" dur="1000"/>
-                                        <p:tgtEl>
-                                          <p:spTgt spid="87">
-                                            <p:txEl>
-                                              <p:pRg st="6" end="6"/>
-                                            </p:txEl>
-                                          </p:spTgt>
-                                        </p:tgtEl>
-                                      </p:cBhvr>
-                                    </p:animEffect>
-                                  </p:childTnLst>
-                                </p:cTn>
-                              </p:par>
-                            </p:childTnLst>
-                          </p:cTn>
-                        </p:par>
-                      </p:childTnLst>
-                    </p:cTn>
-                  </p:par>
-                  <p:par>
-                    <p:cTn id="38" fill="hold">
-                      <p:stCondLst>
-                        <p:cond delay="indefinite"/>
-                      </p:stCondLst>
-                      <p:childTnLst>
-                        <p:par>
-                          <p:cTn id="39" fill="hold">
-                            <p:stCondLst>
-                              <p:cond delay="0"/>
-                            </p:stCondLst>
-                            <p:childTnLst>
-                              <p:par>
-                                <p:cTn id="40" presetID="10" presetClass="entr" presetSubtype="0" fill="hold" nodeType="clickEffect">
-                                  <p:stCondLst>
-                                    <p:cond delay="0"/>
-                                  </p:stCondLst>
-                                  <p:childTnLst>
-                                    <p:set>
-                                      <p:cBhvr>
-                                        <p:cTn id="41" dur="1" fill="hold">
-                                          <p:stCondLst>
-                                            <p:cond delay="0"/>
-                                          </p:stCondLst>
-                                        </p:cTn>
-                                        <p:tgtEl>
-                                          <p:spTgt spid="87">
-                                            <p:txEl>
-                                              <p:pRg st="7" end="7"/>
-                                            </p:txEl>
-                                          </p:spTgt>
-                                        </p:tgtEl>
-                                        <p:attrNameLst>
-                                          <p:attrName>style.visibility</p:attrName>
-                                        </p:attrNameLst>
-                                      </p:cBhvr>
-                                      <p:to>
-                                        <p:strVal val="visible"/>
-                                      </p:to>
-                                    </p:set>
-                                    <p:animEffect transition="in" filter="fade">
-                                      <p:cBhvr>
-                                        <p:cTn id="42" dur="1000"/>
-                                        <p:tgtEl>
-                                          <p:spTgt spid="87">
-                                            <p:txEl>
-                                              <p:pRg st="7" end="7"/>
-                                            </p:txEl>
-                                          </p:spTgt>
-                                        </p:tgtEl>
-                                      </p:cBhvr>
-                                    </p:animEffect>
-                                  </p:childTnLst>
-                                </p:cTn>
-                              </p:par>
-                            </p:childTnLst>
-                          </p:cTn>
-                        </p:par>
-                      </p:childTnLst>
-                    </p:cTn>
-                  </p:par>
-                  <p:par>
-                    <p:cTn id="43" fill="hold">
-                      <p:stCondLst>
-                        <p:cond delay="indefinite"/>
-                      </p:stCondLst>
-                      <p:childTnLst>
-                        <p:par>
-                          <p:cTn id="44" fill="hold">
-                            <p:stCondLst>
-                              <p:cond delay="0"/>
-                            </p:stCondLst>
-                            <p:childTnLst>
-                              <p:par>
-                                <p:cTn id="45" presetID="10" presetClass="entr" presetSubtype="0" fill="hold" nodeType="clickEffect">
-                                  <p:stCondLst>
-                                    <p:cond delay="0"/>
-                                  </p:stCondLst>
-                                  <p:childTnLst>
-                                    <p:set>
-                                      <p:cBhvr>
-                                        <p:cTn id="46" dur="1" fill="hold">
-                                          <p:stCondLst>
-                                            <p:cond delay="0"/>
-                                          </p:stCondLst>
-                                        </p:cTn>
-                                        <p:tgtEl>
-                                          <p:spTgt spid="87">
-                                            <p:txEl>
-                                              <p:pRg st="8" end="8"/>
-                                            </p:txEl>
-                                          </p:spTgt>
-                                        </p:tgtEl>
-                                        <p:attrNameLst>
-                                          <p:attrName>style.visibility</p:attrName>
-                                        </p:attrNameLst>
-                                      </p:cBhvr>
-                                      <p:to>
-                                        <p:strVal val="visible"/>
-                                      </p:to>
-                                    </p:set>
-                                    <p:animEffect transition="in" filter="fade">
-                                      <p:cBhvr>
-                                        <p:cTn id="47" dur="1000"/>
-                                        <p:tgtEl>
-                                          <p:spTgt spid="87">
-                                            <p:txEl>
-                                              <p:pRg st="8" end="8"/>
-                                            </p:txEl>
-                                          </p:spTgt>
-                                        </p:tgtEl>
-                                      </p:cBhvr>
-                                    </p:animEffect>
-                                  </p:childTnLst>
-                                </p:cTn>
-                              </p:par>
-                            </p:childTnLst>
-                          </p:cTn>
-                        </p:par>
-                      </p:childTnLst>
-                    </p:cTn>
-                  </p:par>
-                  <p:par>
-                    <p:cTn id="48" fill="hold">
-                      <p:stCondLst>
-                        <p:cond delay="indefinite"/>
-                      </p:stCondLst>
-                      <p:childTnLst>
-                        <p:par>
-                          <p:cTn id="49" fill="hold">
-                            <p:stCondLst>
-                              <p:cond delay="0"/>
-                            </p:stCondLst>
-                            <p:childTnLst>
-                              <p:par>
-                                <p:cTn id="50" presetID="10" presetClass="entr" presetSubtype="0" fill="hold" nodeType="clickEffect">
-                                  <p:stCondLst>
-                                    <p:cond delay="0"/>
-                                  </p:stCondLst>
-                                  <p:childTnLst>
-                                    <p:set>
-                                      <p:cBhvr>
-                                        <p:cTn id="51" dur="1" fill="hold">
-                                          <p:stCondLst>
-                                            <p:cond delay="0"/>
-                                          </p:stCondLst>
-                                        </p:cTn>
-                                        <p:tgtEl>
-                                          <p:spTgt spid="87">
-                                            <p:txEl>
-                                              <p:pRg st="9" end="9"/>
-                                            </p:txEl>
-                                          </p:spTgt>
-                                        </p:tgtEl>
-                                        <p:attrNameLst>
-                                          <p:attrName>style.visibility</p:attrName>
-                                        </p:attrNameLst>
-                                      </p:cBhvr>
-                                      <p:to>
-                                        <p:strVal val="visible"/>
-                                      </p:to>
-                                    </p:set>
-                                    <p:animEffect transition="in" filter="fade">
-                                      <p:cBhvr>
-                                        <p:cTn id="52" dur="1000"/>
-                                        <p:tgtEl>
-                                          <p:spTgt spid="87">
-                                            <p:txEl>
-                                              <p:pRg st="9" end="9"/>
-                                            </p:txEl>
-                                          </p:spTgt>
-                                        </p:tgtEl>
-                                      </p:cBhvr>
-                                    </p:animEffect>
-                                  </p:childTnLst>
-                                </p:cTn>
-                              </p:par>
-                            </p:childTnLst>
-                          </p:cTn>
-                        </p:par>
-                      </p:childTnLst>
-                    </p:cTn>
-                  </p:par>
-                  <p:par>
-                    <p:cTn id="53" fill="hold">
-                      <p:stCondLst>
-                        <p:cond delay="indefinite"/>
-                      </p:stCondLst>
-                      <p:childTnLst>
-                        <p:par>
-                          <p:cTn id="54" fill="hold">
-                            <p:stCondLst>
-                              <p:cond delay="0"/>
-                            </p:stCondLst>
-                            <p:childTnLst>
-                              <p:par>
-                                <p:cTn id="55" presetID="10" presetClass="entr" presetSubtype="0" fill="hold" nodeType="clickEffect">
-                                  <p:stCondLst>
-                                    <p:cond delay="0"/>
-                                  </p:stCondLst>
-                                  <p:childTnLst>
-                                    <p:set>
-                                      <p:cBhvr>
-                                        <p:cTn id="56" dur="1" fill="hold">
-                                          <p:stCondLst>
-                                            <p:cond delay="0"/>
-                                          </p:stCondLst>
-                                        </p:cTn>
-                                        <p:tgtEl>
-                                          <p:spTgt spid="87">
-                                            <p:txEl>
-                                              <p:pRg st="10" end="10"/>
-                                            </p:txEl>
-                                          </p:spTgt>
-                                        </p:tgtEl>
-                                        <p:attrNameLst>
-                                          <p:attrName>style.visibility</p:attrName>
-                                        </p:attrNameLst>
-                                      </p:cBhvr>
-                                      <p:to>
-                                        <p:strVal val="visible"/>
-                                      </p:to>
-                                    </p:set>
-                                    <p:animEffect transition="in" filter="fade">
-                                      <p:cBhvr>
-                                        <p:cTn id="57" dur="1000"/>
-                                        <p:tgtEl>
-                                          <p:spTgt spid="87">
-                                            <p:txEl>
-                                              <p:pRg st="10" end="10"/>
-                                            </p:txEl>
-                                          </p:spTgt>
-                                        </p:tgtEl>
-                                      </p:cBhvr>
-                                    </p:animEffect>
-                                  </p:childTnLst>
-                                </p:cTn>
-                              </p:par>
-                            </p:childTnLst>
-                          </p:cTn>
-                        </p:par>
-                      </p:childTnLst>
-                    </p:cTn>
-                  </p:par>
-                  <p:par>
-                    <p:cTn id="58" fill="hold">
-                      <p:stCondLst>
-                        <p:cond delay="indefinite"/>
-                      </p:stCondLst>
-                      <p:childTnLst>
-                        <p:par>
-                          <p:cTn id="59" fill="hold">
-                            <p:stCondLst>
-                              <p:cond delay="0"/>
-                            </p:stCondLst>
-                            <p:childTnLst>
-                              <p:par>
-                                <p:cTn id="60" presetID="10" presetClass="entr" presetSubtype="0" fill="hold" nodeType="clickEffect">
-                                  <p:stCondLst>
-                                    <p:cond delay="0"/>
-                                  </p:stCondLst>
-                                  <p:childTnLst>
-                                    <p:set>
-                                      <p:cBhvr>
-                                        <p:cTn id="61" dur="1" fill="hold">
-                                          <p:stCondLst>
-                                            <p:cond delay="0"/>
-                                          </p:stCondLst>
-                                        </p:cTn>
-                                        <p:tgtEl>
-                                          <p:spTgt spid="87">
-                                            <p:txEl>
-                                              <p:pRg st="11" end="11"/>
-                                            </p:txEl>
-                                          </p:spTgt>
-                                        </p:tgtEl>
-                                        <p:attrNameLst>
-                                          <p:attrName>style.visibility</p:attrName>
-                                        </p:attrNameLst>
-                                      </p:cBhvr>
-                                      <p:to>
-                                        <p:strVal val="visible"/>
-                                      </p:to>
-                                    </p:set>
-                                    <p:animEffect transition="in" filter="fade">
-                                      <p:cBhvr>
-                                        <p:cTn id="62" dur="1000"/>
-                                        <p:tgtEl>
-                                          <p:spTgt spid="87">
-                                            <p:txEl>
-                                              <p:pRg st="11" end="11"/>
-                                            </p:txEl>
-                                          </p:spTgt>
-                                        </p:tgtEl>
-                                      </p:cBhvr>
-                                    </p:animEffect>
-                                  </p:childTnLst>
-                                </p:cTn>
-                              </p:par>
-                            </p:childTnLst>
-                          </p:cTn>
-                        </p:par>
-                      </p:childTnLst>
-                    </p:cTn>
-                  </p:par>
-                  <p:par>
-                    <p:cTn id="63" fill="hold">
-                      <p:stCondLst>
-                        <p:cond delay="indefinite"/>
-                      </p:stCondLst>
-                      <p:childTnLst>
-                        <p:par>
-                          <p:cTn id="64" fill="hold">
-                            <p:stCondLst>
-                              <p:cond delay="0"/>
-                            </p:stCondLst>
-                            <p:childTnLst>
-                              <p:par>
-                                <p:cTn id="65" presetID="10" presetClass="entr" presetSubtype="0" fill="hold" nodeType="clickEffect">
-                                  <p:stCondLst>
-                                    <p:cond delay="0"/>
-                                  </p:stCondLst>
-                                  <p:childTnLst>
-                                    <p:set>
-                                      <p:cBhvr>
-                                        <p:cTn id="66" dur="1" fill="hold">
-                                          <p:stCondLst>
-                                            <p:cond delay="0"/>
-                                          </p:stCondLst>
-                                        </p:cTn>
-                                        <p:tgtEl>
-                                          <p:spTgt spid="87">
-                                            <p:txEl>
-                                              <p:pRg st="12" end="12"/>
-                                            </p:txEl>
-                                          </p:spTgt>
-                                        </p:tgtEl>
-                                        <p:attrNameLst>
-                                          <p:attrName>style.visibility</p:attrName>
-                                        </p:attrNameLst>
-                                      </p:cBhvr>
-                                      <p:to>
-                                        <p:strVal val="visible"/>
-                                      </p:to>
-                                    </p:set>
-                                    <p:animEffect transition="in" filter="fade">
-                                      <p:cBhvr>
-                                        <p:cTn id="67" dur="1000"/>
-                                        <p:tgtEl>
-                                          <p:spTgt spid="87">
-                                            <p:txEl>
-                                              <p:pRg st="12" end="12"/>
-                                            </p:txEl>
-                                          </p:spTgt>
-                                        </p:tgtEl>
-                                      </p:cBhvr>
-                                    </p:animEffect>
-                                  </p:childTnLst>
-                                </p:cTn>
-                              </p:par>
-                            </p:childTnLst>
-                          </p:cTn>
-                        </p:par>
-                      </p:childTnLst>
-                    </p:cTn>
-                  </p:par>
-                </p:childTnLst>
-              </p:cTn>
-              <p:prevCondLst>
-                <p:cond evt="onPrev" delay="0">
-                  <p:tgtEl>
-                    <p:sldTgt/>
-                  </p:tgtEl>
-                </p:cond>
-              </p:prevCondLst>
-              <p:nextCondLst>
-                <p:cond evt="onNext" delay="0">
-                  <p:tgtEl>
-                    <p:sldTgt/>
-                  </p:tgtEl>
-                </p:cond>
-              </p:nextCondLst>
-            </p:seq>
-          </p:childTnLst>
-        </p:cTn>
-      </p:par>
-    </p:tnLst>
-  </p:timing>
-</p:sld>
-</file>
-
-<file path=ppt/slides/slide11.xml><?xml version="1.0" encoding="utf-8"?>
-<p:sld xmlns:a="http://schemas.openxmlformats.org/drawingml/2006/main" xmlns:r="http://schemas.openxmlformats.org/officeDocument/2006/relationships" xmlns:p="http://schemas.openxmlformats.org/presentationml/2006/main">
-  <p:cSld>
-    <p:spTree>
-      <p:nvGrpSpPr>
         <p:cNvPr id="1" name="Shape 91"/>
         <p:cNvGrpSpPr/>
         <p:nvPr/>
@@ -8709,7 +7477,7 @@
 </p:sld>
 </file>
 
-<file path=ppt/slides/slide12.xml><?xml version="1.0" encoding="utf-8"?>
+<file path=ppt/slides/slide11.xml><?xml version="1.0" encoding="utf-8"?>
 <p:sld xmlns:a="http://schemas.openxmlformats.org/drawingml/2006/main" xmlns:r="http://schemas.openxmlformats.org/officeDocument/2006/relationships" xmlns:p="http://schemas.openxmlformats.org/presentationml/2006/main">
   <p:cSld>
     <p:spTree>
@@ -10033,7 +8801,7 @@
 </p:sld>
 </file>
 
-<file path=ppt/slides/slide13.xml><?xml version="1.0" encoding="utf-8"?>
+<file path=ppt/slides/slide12.xml><?xml version="1.0" encoding="utf-8"?>
 <p:sld xmlns:a="http://schemas.openxmlformats.org/drawingml/2006/main" xmlns:r="http://schemas.openxmlformats.org/officeDocument/2006/relationships" xmlns:p="http://schemas.openxmlformats.org/presentationml/2006/main">
   <p:cSld>
     <p:spTree>
@@ -11170,6 +9938,637 @@
                                           <p:spTgt spid="105">
                                             <p:txEl>
                                               <p:pRg st="9" end="9"/>
+                                            </p:txEl>
+                                          </p:spTgt>
+                                        </p:tgtEl>
+                                      </p:cBhvr>
+                                    </p:animEffect>
+                                  </p:childTnLst>
+                                </p:cTn>
+                              </p:par>
+                            </p:childTnLst>
+                          </p:cTn>
+                        </p:par>
+                      </p:childTnLst>
+                    </p:cTn>
+                  </p:par>
+                </p:childTnLst>
+              </p:cTn>
+              <p:prevCondLst>
+                <p:cond evt="onPrev" delay="0">
+                  <p:tgtEl>
+                    <p:sldTgt/>
+                  </p:tgtEl>
+                </p:cond>
+              </p:prevCondLst>
+              <p:nextCondLst>
+                <p:cond evt="onNext" delay="0">
+                  <p:tgtEl>
+                    <p:sldTgt/>
+                  </p:tgtEl>
+                </p:cond>
+              </p:nextCondLst>
+            </p:seq>
+          </p:childTnLst>
+        </p:cTn>
+      </p:par>
+    </p:tnLst>
+  </p:timing>
+</p:sld>
+</file>
+
+<file path=ppt/slides/slide13.xml><?xml version="1.0" encoding="utf-8"?>
+<p:sld xmlns:a="http://schemas.openxmlformats.org/drawingml/2006/main" xmlns:r="http://schemas.openxmlformats.org/officeDocument/2006/relationships" xmlns:p="http://schemas.openxmlformats.org/presentationml/2006/main">
+  <p:cSld>
+    <p:spTree>
+      <p:nvGrpSpPr>
+        <p:cNvPr id="1" name="Shape 53"/>
+        <p:cNvGrpSpPr/>
+        <p:nvPr/>
+      </p:nvGrpSpPr>
+      <p:grpSpPr>
+        <a:xfrm>
+          <a:off x="0" y="0"/>
+          <a:ext cx="0" cy="0"/>
+          <a:chOff x="0" y="0"/>
+          <a:chExt cx="0" cy="0"/>
+        </a:xfrm>
+      </p:grpSpPr>
+      <p:sp>
+        <p:nvSpPr>
+          <p:cNvPr id="54" name="Shape 54"/>
+          <p:cNvSpPr txBox="1">
+            <a:spLocks noGrp="1"/>
+          </p:cNvSpPr>
+          <p:nvPr>
+            <p:ph type="title"/>
+          </p:nvPr>
+        </p:nvSpPr>
+        <p:spPr>
+          <a:xfrm>
+            <a:off x="62275" y="-124550"/>
+            <a:ext cx="8769900" cy="524700"/>
+          </a:xfrm>
+          <a:prstGeom prst="rect">
+            <a:avLst/>
+          </a:prstGeom>
+        </p:spPr>
+        <p:txBody>
+          <a:bodyPr spcFirstLastPara="1" wrap="square" lIns="91425" tIns="91425" rIns="91425" bIns="91425" anchor="t" anchorCtr="0">
+            <a:noAutofit/>
+          </a:bodyPr>
+          <a:lstStyle/>
+          <a:p>
+            <a:pPr marL="0" lvl="0" indent="0" rtl="0">
+              <a:lnSpc>
+                <a:spcPct val="115000"/>
+              </a:lnSpc>
+              <a:spcBef>
+                <a:spcPts val="0"/>
+              </a:spcBef>
+              <a:spcAft>
+                <a:spcPts val="1000"/>
+              </a:spcAft>
+              <a:buNone/>
+            </a:pPr>
+            <a:r>
+              <a:rPr lang="en" sz="2400"/>
+              <a:t>Lookup your new TF:      LC101 -&gt; People -&gt; Search by name</a:t>
+            </a:r>
+            <a:endParaRPr sz="4000"/>
+          </a:p>
+        </p:txBody>
+      </p:sp>
+      <p:sp>
+        <p:nvSpPr>
+          <p:cNvPr id="55" name="Shape 55"/>
+          <p:cNvSpPr txBox="1"/>
+          <p:nvPr/>
+        </p:nvSpPr>
+        <p:spPr>
+          <a:xfrm>
+            <a:off x="418050" y="658225"/>
+            <a:ext cx="8619300" cy="4349700"/>
+          </a:xfrm>
+          <a:prstGeom prst="rect">
+            <a:avLst/>
+          </a:prstGeom>
+          <a:noFill/>
+          <a:ln>
+            <a:noFill/>
+          </a:ln>
+        </p:spPr>
+        <p:txBody>
+          <a:bodyPr spcFirstLastPara="1" wrap="square" lIns="91425" tIns="91425" rIns="91425" bIns="91425" anchor="t" anchorCtr="0">
+            <a:noAutofit/>
+          </a:bodyPr>
+          <a:lstStyle/>
+          <a:p>
+            <a:pPr marL="0" lvl="0" indent="0" rtl="0">
+              <a:lnSpc>
+                <a:spcPct val="115000"/>
+              </a:lnSpc>
+              <a:spcBef>
+                <a:spcPts val="0"/>
+              </a:spcBef>
+              <a:spcAft>
+                <a:spcPts val="0"/>
+              </a:spcAft>
+              <a:buNone/>
+            </a:pPr>
+            <a:endParaRPr sz="2400">
+              <a:solidFill>
+                <a:srgbClr val="FFFFFF"/>
+              </a:solidFill>
+            </a:endParaRPr>
+          </a:p>
+          <a:p>
+            <a:pPr marL="0" lvl="0" indent="0" rtl="0">
+              <a:lnSpc>
+                <a:spcPct val="115000"/>
+              </a:lnSpc>
+              <a:spcBef>
+                <a:spcPts val="1000"/>
+              </a:spcBef>
+              <a:spcAft>
+                <a:spcPts val="0"/>
+              </a:spcAft>
+              <a:buNone/>
+            </a:pPr>
+            <a:endParaRPr sz="2400">
+              <a:solidFill>
+                <a:schemeClr val="dk1"/>
+              </a:solidFill>
+            </a:endParaRPr>
+          </a:p>
+          <a:p>
+            <a:pPr marL="0" lvl="0" indent="0" rtl="0">
+              <a:lnSpc>
+                <a:spcPct val="115000"/>
+              </a:lnSpc>
+              <a:spcBef>
+                <a:spcPts val="1000"/>
+              </a:spcBef>
+              <a:spcAft>
+                <a:spcPts val="0"/>
+              </a:spcAft>
+              <a:buNone/>
+            </a:pPr>
+            <a:endParaRPr sz="2200">
+              <a:solidFill>
+                <a:srgbClr val="FFFFFF"/>
+              </a:solidFill>
+            </a:endParaRPr>
+          </a:p>
+          <a:p>
+            <a:pPr marL="0" lvl="0" indent="0" rtl="0">
+              <a:lnSpc>
+                <a:spcPct val="115000"/>
+              </a:lnSpc>
+              <a:spcBef>
+                <a:spcPts val="0"/>
+              </a:spcBef>
+              <a:spcAft>
+                <a:spcPts val="0"/>
+              </a:spcAft>
+              <a:buNone/>
+            </a:pPr>
+            <a:endParaRPr sz="2200">
+              <a:solidFill>
+                <a:srgbClr val="FFFFFF"/>
+              </a:solidFill>
+            </a:endParaRPr>
+          </a:p>
+          <a:p>
+            <a:pPr marL="0" marR="0" lvl="0" indent="0" algn="l" rtl="0">
+              <a:lnSpc>
+                <a:spcPct val="100000"/>
+              </a:lnSpc>
+              <a:spcBef>
+                <a:spcPts val="0"/>
+              </a:spcBef>
+              <a:spcAft>
+                <a:spcPts val="0"/>
+              </a:spcAft>
+              <a:buNone/>
+            </a:pPr>
+            <a:endParaRPr sz="2400">
+              <a:solidFill>
+                <a:srgbClr val="FFFFFF"/>
+              </a:solidFill>
+            </a:endParaRPr>
+          </a:p>
+          <a:p>
+            <a:pPr marL="0" lvl="0" indent="0" rtl="0">
+              <a:spcBef>
+                <a:spcPts val="0"/>
+              </a:spcBef>
+              <a:spcAft>
+                <a:spcPts val="0"/>
+              </a:spcAft>
+              <a:buNone/>
+            </a:pPr>
+            <a:endParaRPr sz="2400">
+              <a:solidFill>
+                <a:srgbClr val="FFFFFF"/>
+              </a:solidFill>
+            </a:endParaRPr>
+          </a:p>
+        </p:txBody>
+      </p:sp>
+      <p:pic>
+        <p:nvPicPr>
+          <p:cNvPr id="56" name="Shape 56" descr="Screen_Shot_2017-09-07_at_2_29_52_PM.png"/>
+          <p:cNvPicPr preferRelativeResize="0"/>
+          <p:nvPr/>
+        </p:nvPicPr>
+        <p:blipFill>
+          <a:blip r:embed="rId3">
+            <a:alphaModFix/>
+          </a:blip>
+          <a:stretch>
+            <a:fillRect/>
+          </a:stretch>
+        </p:blipFill>
+        <p:spPr>
+          <a:xfrm>
+            <a:off x="232625" y="400150"/>
+            <a:ext cx="8535951" cy="4743350"/>
+          </a:xfrm>
+          <a:prstGeom prst="rect">
+            <a:avLst/>
+          </a:prstGeom>
+          <a:noFill/>
+          <a:ln>
+            <a:noFill/>
+          </a:ln>
+        </p:spPr>
+      </p:pic>
+    </p:spTree>
+  </p:cSld>
+  <p:clrMapOvr>
+    <a:masterClrMapping/>
+  </p:clrMapOvr>
+  <p:timing>
+    <p:tnLst>
+      <p:par>
+        <p:cTn id="1" dur="indefinite" restart="never" nodeType="tmRoot">
+          <p:childTnLst>
+            <p:seq concurrent="1" nextAc="seek">
+              <p:cTn id="2" dur="indefinite" nodeType="mainSeq">
+                <p:childTnLst>
+                  <p:par>
+                    <p:cTn id="3" fill="hold">
+                      <p:stCondLst>
+                        <p:cond delay="indefinite"/>
+                      </p:stCondLst>
+                      <p:childTnLst>
+                        <p:par>
+                          <p:cTn id="4" fill="hold">
+                            <p:stCondLst>
+                              <p:cond delay="0"/>
+                            </p:stCondLst>
+                            <p:childTnLst>
+                              <p:par>
+                                <p:cTn id="5" presetID="10" presetClass="entr" presetSubtype="0" fill="hold" nodeType="clickEffect">
+                                  <p:stCondLst>
+                                    <p:cond delay="0"/>
+                                  </p:stCondLst>
+                                  <p:childTnLst>
+                                    <p:set>
+                                      <p:cBhvr>
+                                        <p:cTn id="6" dur="1" fill="hold">
+                                          <p:stCondLst>
+                                            <p:cond delay="0"/>
+                                          </p:stCondLst>
+                                        </p:cTn>
+                                        <p:tgtEl>
+                                          <p:spTgt spid="55">
+                                            <p:txEl>
+                                              <p:pRg st="0" end="0"/>
+                                            </p:txEl>
+                                          </p:spTgt>
+                                        </p:tgtEl>
+                                        <p:attrNameLst>
+                                          <p:attrName>style.visibility</p:attrName>
+                                        </p:attrNameLst>
+                                      </p:cBhvr>
+                                      <p:to>
+                                        <p:strVal val="visible"/>
+                                      </p:to>
+                                    </p:set>
+                                    <p:animEffect transition="in" filter="fade">
+                                      <p:cBhvr>
+                                        <p:cTn id="7" dur="1000"/>
+                                        <p:tgtEl>
+                                          <p:spTgt spid="55">
+                                            <p:txEl>
+                                              <p:pRg st="0" end="0"/>
+                                            </p:txEl>
+                                          </p:spTgt>
+                                        </p:tgtEl>
+                                      </p:cBhvr>
+                                    </p:animEffect>
+                                  </p:childTnLst>
+                                </p:cTn>
+                              </p:par>
+                            </p:childTnLst>
+                          </p:cTn>
+                        </p:par>
+                      </p:childTnLst>
+                    </p:cTn>
+                  </p:par>
+                  <p:par>
+                    <p:cTn id="8" fill="hold">
+                      <p:stCondLst>
+                        <p:cond delay="indefinite"/>
+                      </p:stCondLst>
+                      <p:childTnLst>
+                        <p:par>
+                          <p:cTn id="9" fill="hold">
+                            <p:stCondLst>
+                              <p:cond delay="0"/>
+                            </p:stCondLst>
+                            <p:childTnLst>
+                              <p:par>
+                                <p:cTn id="10" presetID="10" presetClass="entr" presetSubtype="0" fill="hold" nodeType="clickEffect">
+                                  <p:stCondLst>
+                                    <p:cond delay="0"/>
+                                  </p:stCondLst>
+                                  <p:childTnLst>
+                                    <p:set>
+                                      <p:cBhvr>
+                                        <p:cTn id="11" dur="1" fill="hold">
+                                          <p:stCondLst>
+                                            <p:cond delay="0"/>
+                                          </p:stCondLst>
+                                        </p:cTn>
+                                        <p:tgtEl>
+                                          <p:spTgt spid="55">
+                                            <p:txEl>
+                                              <p:pRg st="1" end="1"/>
+                                            </p:txEl>
+                                          </p:spTgt>
+                                        </p:tgtEl>
+                                        <p:attrNameLst>
+                                          <p:attrName>style.visibility</p:attrName>
+                                        </p:attrNameLst>
+                                      </p:cBhvr>
+                                      <p:to>
+                                        <p:strVal val="visible"/>
+                                      </p:to>
+                                    </p:set>
+                                    <p:animEffect transition="in" filter="fade">
+                                      <p:cBhvr>
+                                        <p:cTn id="12" dur="1000"/>
+                                        <p:tgtEl>
+                                          <p:spTgt spid="55">
+                                            <p:txEl>
+                                              <p:pRg st="1" end="1"/>
+                                            </p:txEl>
+                                          </p:spTgt>
+                                        </p:tgtEl>
+                                      </p:cBhvr>
+                                    </p:animEffect>
+                                  </p:childTnLst>
+                                </p:cTn>
+                              </p:par>
+                            </p:childTnLst>
+                          </p:cTn>
+                        </p:par>
+                      </p:childTnLst>
+                    </p:cTn>
+                  </p:par>
+                  <p:par>
+                    <p:cTn id="13" fill="hold">
+                      <p:stCondLst>
+                        <p:cond delay="indefinite"/>
+                      </p:stCondLst>
+                      <p:childTnLst>
+                        <p:par>
+                          <p:cTn id="14" fill="hold">
+                            <p:stCondLst>
+                              <p:cond delay="0"/>
+                            </p:stCondLst>
+                            <p:childTnLst>
+                              <p:par>
+                                <p:cTn id="15" presetID="10" presetClass="entr" presetSubtype="0" fill="hold" nodeType="clickEffect">
+                                  <p:stCondLst>
+                                    <p:cond delay="0"/>
+                                  </p:stCondLst>
+                                  <p:childTnLst>
+                                    <p:set>
+                                      <p:cBhvr>
+                                        <p:cTn id="16" dur="1" fill="hold">
+                                          <p:stCondLst>
+                                            <p:cond delay="0"/>
+                                          </p:stCondLst>
+                                        </p:cTn>
+                                        <p:tgtEl>
+                                          <p:spTgt spid="55">
+                                            <p:txEl>
+                                              <p:pRg st="2" end="2"/>
+                                            </p:txEl>
+                                          </p:spTgt>
+                                        </p:tgtEl>
+                                        <p:attrNameLst>
+                                          <p:attrName>style.visibility</p:attrName>
+                                        </p:attrNameLst>
+                                      </p:cBhvr>
+                                      <p:to>
+                                        <p:strVal val="visible"/>
+                                      </p:to>
+                                    </p:set>
+                                    <p:animEffect transition="in" filter="fade">
+                                      <p:cBhvr>
+                                        <p:cTn id="17" dur="1000"/>
+                                        <p:tgtEl>
+                                          <p:spTgt spid="55">
+                                            <p:txEl>
+                                              <p:pRg st="2" end="2"/>
+                                            </p:txEl>
+                                          </p:spTgt>
+                                        </p:tgtEl>
+                                      </p:cBhvr>
+                                    </p:animEffect>
+                                  </p:childTnLst>
+                                </p:cTn>
+                              </p:par>
+                            </p:childTnLst>
+                          </p:cTn>
+                        </p:par>
+                      </p:childTnLst>
+                    </p:cTn>
+                  </p:par>
+                  <p:par>
+                    <p:cTn id="18" fill="hold">
+                      <p:stCondLst>
+                        <p:cond delay="indefinite"/>
+                      </p:stCondLst>
+                      <p:childTnLst>
+                        <p:par>
+                          <p:cTn id="19" fill="hold">
+                            <p:stCondLst>
+                              <p:cond delay="0"/>
+                            </p:stCondLst>
+                            <p:childTnLst>
+                              <p:par>
+                                <p:cTn id="20" presetID="10" presetClass="entr" presetSubtype="0" fill="hold" nodeType="clickEffect">
+                                  <p:stCondLst>
+                                    <p:cond delay="0"/>
+                                  </p:stCondLst>
+                                  <p:childTnLst>
+                                    <p:set>
+                                      <p:cBhvr>
+                                        <p:cTn id="21" dur="1" fill="hold">
+                                          <p:stCondLst>
+                                            <p:cond delay="0"/>
+                                          </p:stCondLst>
+                                        </p:cTn>
+                                        <p:tgtEl>
+                                          <p:spTgt spid="55">
+                                            <p:txEl>
+                                              <p:pRg st="3" end="3"/>
+                                            </p:txEl>
+                                          </p:spTgt>
+                                        </p:tgtEl>
+                                        <p:attrNameLst>
+                                          <p:attrName>style.visibility</p:attrName>
+                                        </p:attrNameLst>
+                                      </p:cBhvr>
+                                      <p:to>
+                                        <p:strVal val="visible"/>
+                                      </p:to>
+                                    </p:set>
+                                    <p:animEffect transition="in" filter="fade">
+                                      <p:cBhvr>
+                                        <p:cTn id="22" dur="1000"/>
+                                        <p:tgtEl>
+                                          <p:spTgt spid="55">
+                                            <p:txEl>
+                                              <p:pRg st="3" end="3"/>
+                                            </p:txEl>
+                                          </p:spTgt>
+                                        </p:tgtEl>
+                                      </p:cBhvr>
+                                    </p:animEffect>
+                                  </p:childTnLst>
+                                </p:cTn>
+                              </p:par>
+                            </p:childTnLst>
+                          </p:cTn>
+                        </p:par>
+                      </p:childTnLst>
+                    </p:cTn>
+                  </p:par>
+                  <p:par>
+                    <p:cTn id="23" fill="hold">
+                      <p:stCondLst>
+                        <p:cond delay="indefinite"/>
+                      </p:stCondLst>
+                      <p:childTnLst>
+                        <p:par>
+                          <p:cTn id="24" fill="hold">
+                            <p:stCondLst>
+                              <p:cond delay="0"/>
+                            </p:stCondLst>
+                            <p:childTnLst>
+                              <p:par>
+                                <p:cTn id="25" presetID="10" presetClass="entr" presetSubtype="0" fill="hold" nodeType="clickEffect">
+                                  <p:stCondLst>
+                                    <p:cond delay="0"/>
+                                  </p:stCondLst>
+                                  <p:childTnLst>
+                                    <p:set>
+                                      <p:cBhvr>
+                                        <p:cTn id="26" dur="1" fill="hold">
+                                          <p:stCondLst>
+                                            <p:cond delay="0"/>
+                                          </p:stCondLst>
+                                        </p:cTn>
+                                        <p:tgtEl>
+                                          <p:spTgt spid="55">
+                                            <p:txEl>
+                                              <p:pRg st="4" end="4"/>
+                                            </p:txEl>
+                                          </p:spTgt>
+                                        </p:tgtEl>
+                                        <p:attrNameLst>
+                                          <p:attrName>style.visibility</p:attrName>
+                                        </p:attrNameLst>
+                                      </p:cBhvr>
+                                      <p:to>
+                                        <p:strVal val="visible"/>
+                                      </p:to>
+                                    </p:set>
+                                    <p:animEffect transition="in" filter="fade">
+                                      <p:cBhvr>
+                                        <p:cTn id="27" dur="1000"/>
+                                        <p:tgtEl>
+                                          <p:spTgt spid="55">
+                                            <p:txEl>
+                                              <p:pRg st="4" end="4"/>
+                                            </p:txEl>
+                                          </p:spTgt>
+                                        </p:tgtEl>
+                                      </p:cBhvr>
+                                    </p:animEffect>
+                                  </p:childTnLst>
+                                </p:cTn>
+                              </p:par>
+                            </p:childTnLst>
+                          </p:cTn>
+                        </p:par>
+                      </p:childTnLst>
+                    </p:cTn>
+                  </p:par>
+                  <p:par>
+                    <p:cTn id="28" fill="hold">
+                      <p:stCondLst>
+                        <p:cond delay="indefinite"/>
+                      </p:stCondLst>
+                      <p:childTnLst>
+                        <p:par>
+                          <p:cTn id="29" fill="hold">
+                            <p:stCondLst>
+                              <p:cond delay="0"/>
+                            </p:stCondLst>
+                            <p:childTnLst>
+                              <p:par>
+                                <p:cTn id="30" presetID="10" presetClass="entr" presetSubtype="0" fill="hold" nodeType="clickEffect">
+                                  <p:stCondLst>
+                                    <p:cond delay="0"/>
+                                  </p:stCondLst>
+                                  <p:childTnLst>
+                                    <p:set>
+                                      <p:cBhvr>
+                                        <p:cTn id="31" dur="1" fill="hold">
+                                          <p:stCondLst>
+                                            <p:cond delay="0"/>
+                                          </p:stCondLst>
+                                        </p:cTn>
+                                        <p:tgtEl>
+                                          <p:spTgt spid="55">
+                                            <p:txEl>
+                                              <p:pRg st="5" end="5"/>
+                                            </p:txEl>
+                                          </p:spTgt>
+                                        </p:tgtEl>
+                                        <p:attrNameLst>
+                                          <p:attrName>style.visibility</p:attrName>
+                                        </p:attrNameLst>
+                                      </p:cBhvr>
+                                      <p:to>
+                                        <p:strVal val="visible"/>
+                                      </p:to>
+                                    </p:set>
+                                    <p:animEffect transition="in" filter="fade">
+                                      <p:cBhvr>
+                                        <p:cTn id="32" dur="1000"/>
+                                        <p:tgtEl>
+                                          <p:spTgt spid="55">
+                                            <p:txEl>
+                                              <p:pRg st="5" end="5"/>
                                             </p:txEl>
                                           </p:spTgt>
                                         </p:tgtEl>
@@ -12204,637 +11603,6 @@
   <p:cSld>
     <p:spTree>
       <p:nvGrpSpPr>
-        <p:cNvPr id="1" name="Shape 53"/>
-        <p:cNvGrpSpPr/>
-        <p:nvPr/>
-      </p:nvGrpSpPr>
-      <p:grpSpPr>
-        <a:xfrm>
-          <a:off x="0" y="0"/>
-          <a:ext cx="0" cy="0"/>
-          <a:chOff x="0" y="0"/>
-          <a:chExt cx="0" cy="0"/>
-        </a:xfrm>
-      </p:grpSpPr>
-      <p:sp>
-        <p:nvSpPr>
-          <p:cNvPr id="54" name="Shape 54"/>
-          <p:cNvSpPr txBox="1">
-            <a:spLocks noGrp="1"/>
-          </p:cNvSpPr>
-          <p:nvPr>
-            <p:ph type="title"/>
-          </p:nvPr>
-        </p:nvSpPr>
-        <p:spPr>
-          <a:xfrm>
-            <a:off x="62275" y="-124550"/>
-            <a:ext cx="8769900" cy="524700"/>
-          </a:xfrm>
-          <a:prstGeom prst="rect">
-            <a:avLst/>
-          </a:prstGeom>
-        </p:spPr>
-        <p:txBody>
-          <a:bodyPr spcFirstLastPara="1" wrap="square" lIns="91425" tIns="91425" rIns="91425" bIns="91425" anchor="t" anchorCtr="0">
-            <a:noAutofit/>
-          </a:bodyPr>
-          <a:lstStyle/>
-          <a:p>
-            <a:pPr marL="0" lvl="0" indent="0" rtl="0">
-              <a:lnSpc>
-                <a:spcPct val="115000"/>
-              </a:lnSpc>
-              <a:spcBef>
-                <a:spcPts val="0"/>
-              </a:spcBef>
-              <a:spcAft>
-                <a:spcPts val="1000"/>
-              </a:spcAft>
-              <a:buNone/>
-            </a:pPr>
-            <a:r>
-              <a:rPr lang="en" sz="2400"/>
-              <a:t>Lookup your new TF:      LC101 -&gt; People -&gt; Search by name</a:t>
-            </a:r>
-            <a:endParaRPr sz="4000"/>
-          </a:p>
-        </p:txBody>
-      </p:sp>
-      <p:sp>
-        <p:nvSpPr>
-          <p:cNvPr id="55" name="Shape 55"/>
-          <p:cNvSpPr txBox="1"/>
-          <p:nvPr/>
-        </p:nvSpPr>
-        <p:spPr>
-          <a:xfrm>
-            <a:off x="418050" y="658225"/>
-            <a:ext cx="8619300" cy="4349700"/>
-          </a:xfrm>
-          <a:prstGeom prst="rect">
-            <a:avLst/>
-          </a:prstGeom>
-          <a:noFill/>
-          <a:ln>
-            <a:noFill/>
-          </a:ln>
-        </p:spPr>
-        <p:txBody>
-          <a:bodyPr spcFirstLastPara="1" wrap="square" lIns="91425" tIns="91425" rIns="91425" bIns="91425" anchor="t" anchorCtr="0">
-            <a:noAutofit/>
-          </a:bodyPr>
-          <a:lstStyle/>
-          <a:p>
-            <a:pPr marL="0" lvl="0" indent="0" rtl="0">
-              <a:lnSpc>
-                <a:spcPct val="115000"/>
-              </a:lnSpc>
-              <a:spcBef>
-                <a:spcPts val="0"/>
-              </a:spcBef>
-              <a:spcAft>
-                <a:spcPts val="0"/>
-              </a:spcAft>
-              <a:buNone/>
-            </a:pPr>
-            <a:endParaRPr sz="2400">
-              <a:solidFill>
-                <a:srgbClr val="FFFFFF"/>
-              </a:solidFill>
-            </a:endParaRPr>
-          </a:p>
-          <a:p>
-            <a:pPr marL="0" lvl="0" indent="0" rtl="0">
-              <a:lnSpc>
-                <a:spcPct val="115000"/>
-              </a:lnSpc>
-              <a:spcBef>
-                <a:spcPts val="1000"/>
-              </a:spcBef>
-              <a:spcAft>
-                <a:spcPts val="0"/>
-              </a:spcAft>
-              <a:buNone/>
-            </a:pPr>
-            <a:endParaRPr sz="2400">
-              <a:solidFill>
-                <a:schemeClr val="dk1"/>
-              </a:solidFill>
-            </a:endParaRPr>
-          </a:p>
-          <a:p>
-            <a:pPr marL="0" lvl="0" indent="0" rtl="0">
-              <a:lnSpc>
-                <a:spcPct val="115000"/>
-              </a:lnSpc>
-              <a:spcBef>
-                <a:spcPts val="1000"/>
-              </a:spcBef>
-              <a:spcAft>
-                <a:spcPts val="0"/>
-              </a:spcAft>
-              <a:buNone/>
-            </a:pPr>
-            <a:endParaRPr sz="2200">
-              <a:solidFill>
-                <a:srgbClr val="FFFFFF"/>
-              </a:solidFill>
-            </a:endParaRPr>
-          </a:p>
-          <a:p>
-            <a:pPr marL="0" lvl="0" indent="0" rtl="0">
-              <a:lnSpc>
-                <a:spcPct val="115000"/>
-              </a:lnSpc>
-              <a:spcBef>
-                <a:spcPts val="0"/>
-              </a:spcBef>
-              <a:spcAft>
-                <a:spcPts val="0"/>
-              </a:spcAft>
-              <a:buNone/>
-            </a:pPr>
-            <a:endParaRPr sz="2200">
-              <a:solidFill>
-                <a:srgbClr val="FFFFFF"/>
-              </a:solidFill>
-            </a:endParaRPr>
-          </a:p>
-          <a:p>
-            <a:pPr marL="0" marR="0" lvl="0" indent="0" algn="l" rtl="0">
-              <a:lnSpc>
-                <a:spcPct val="100000"/>
-              </a:lnSpc>
-              <a:spcBef>
-                <a:spcPts val="0"/>
-              </a:spcBef>
-              <a:spcAft>
-                <a:spcPts val="0"/>
-              </a:spcAft>
-              <a:buNone/>
-            </a:pPr>
-            <a:endParaRPr sz="2400">
-              <a:solidFill>
-                <a:srgbClr val="FFFFFF"/>
-              </a:solidFill>
-            </a:endParaRPr>
-          </a:p>
-          <a:p>
-            <a:pPr marL="0" lvl="0" indent="0" rtl="0">
-              <a:spcBef>
-                <a:spcPts val="0"/>
-              </a:spcBef>
-              <a:spcAft>
-                <a:spcPts val="0"/>
-              </a:spcAft>
-              <a:buNone/>
-            </a:pPr>
-            <a:endParaRPr sz="2400">
-              <a:solidFill>
-                <a:srgbClr val="FFFFFF"/>
-              </a:solidFill>
-            </a:endParaRPr>
-          </a:p>
-        </p:txBody>
-      </p:sp>
-      <p:pic>
-        <p:nvPicPr>
-          <p:cNvPr id="56" name="Shape 56" descr="Screen_Shot_2017-09-07_at_2_29_52_PM.png"/>
-          <p:cNvPicPr preferRelativeResize="0"/>
-          <p:nvPr/>
-        </p:nvPicPr>
-        <p:blipFill>
-          <a:blip r:embed="rId3">
-            <a:alphaModFix/>
-          </a:blip>
-          <a:stretch>
-            <a:fillRect/>
-          </a:stretch>
-        </p:blipFill>
-        <p:spPr>
-          <a:xfrm>
-            <a:off x="232625" y="400150"/>
-            <a:ext cx="8535951" cy="4743350"/>
-          </a:xfrm>
-          <a:prstGeom prst="rect">
-            <a:avLst/>
-          </a:prstGeom>
-          <a:noFill/>
-          <a:ln>
-            <a:noFill/>
-          </a:ln>
-        </p:spPr>
-      </p:pic>
-    </p:spTree>
-  </p:cSld>
-  <p:clrMapOvr>
-    <a:masterClrMapping/>
-  </p:clrMapOvr>
-  <p:timing>
-    <p:tnLst>
-      <p:par>
-        <p:cTn id="1" dur="indefinite" restart="never" nodeType="tmRoot">
-          <p:childTnLst>
-            <p:seq concurrent="1" nextAc="seek">
-              <p:cTn id="2" dur="indefinite" nodeType="mainSeq">
-                <p:childTnLst>
-                  <p:par>
-                    <p:cTn id="3" fill="hold">
-                      <p:stCondLst>
-                        <p:cond delay="indefinite"/>
-                      </p:stCondLst>
-                      <p:childTnLst>
-                        <p:par>
-                          <p:cTn id="4" fill="hold">
-                            <p:stCondLst>
-                              <p:cond delay="0"/>
-                            </p:stCondLst>
-                            <p:childTnLst>
-                              <p:par>
-                                <p:cTn id="5" presetID="10" presetClass="entr" presetSubtype="0" fill="hold" nodeType="clickEffect">
-                                  <p:stCondLst>
-                                    <p:cond delay="0"/>
-                                  </p:stCondLst>
-                                  <p:childTnLst>
-                                    <p:set>
-                                      <p:cBhvr>
-                                        <p:cTn id="6" dur="1" fill="hold">
-                                          <p:stCondLst>
-                                            <p:cond delay="0"/>
-                                          </p:stCondLst>
-                                        </p:cTn>
-                                        <p:tgtEl>
-                                          <p:spTgt spid="55">
-                                            <p:txEl>
-                                              <p:pRg st="0" end="0"/>
-                                            </p:txEl>
-                                          </p:spTgt>
-                                        </p:tgtEl>
-                                        <p:attrNameLst>
-                                          <p:attrName>style.visibility</p:attrName>
-                                        </p:attrNameLst>
-                                      </p:cBhvr>
-                                      <p:to>
-                                        <p:strVal val="visible"/>
-                                      </p:to>
-                                    </p:set>
-                                    <p:animEffect transition="in" filter="fade">
-                                      <p:cBhvr>
-                                        <p:cTn id="7" dur="1000"/>
-                                        <p:tgtEl>
-                                          <p:spTgt spid="55">
-                                            <p:txEl>
-                                              <p:pRg st="0" end="0"/>
-                                            </p:txEl>
-                                          </p:spTgt>
-                                        </p:tgtEl>
-                                      </p:cBhvr>
-                                    </p:animEffect>
-                                  </p:childTnLst>
-                                </p:cTn>
-                              </p:par>
-                            </p:childTnLst>
-                          </p:cTn>
-                        </p:par>
-                      </p:childTnLst>
-                    </p:cTn>
-                  </p:par>
-                  <p:par>
-                    <p:cTn id="8" fill="hold">
-                      <p:stCondLst>
-                        <p:cond delay="indefinite"/>
-                      </p:stCondLst>
-                      <p:childTnLst>
-                        <p:par>
-                          <p:cTn id="9" fill="hold">
-                            <p:stCondLst>
-                              <p:cond delay="0"/>
-                            </p:stCondLst>
-                            <p:childTnLst>
-                              <p:par>
-                                <p:cTn id="10" presetID="10" presetClass="entr" presetSubtype="0" fill="hold" nodeType="clickEffect">
-                                  <p:stCondLst>
-                                    <p:cond delay="0"/>
-                                  </p:stCondLst>
-                                  <p:childTnLst>
-                                    <p:set>
-                                      <p:cBhvr>
-                                        <p:cTn id="11" dur="1" fill="hold">
-                                          <p:stCondLst>
-                                            <p:cond delay="0"/>
-                                          </p:stCondLst>
-                                        </p:cTn>
-                                        <p:tgtEl>
-                                          <p:spTgt spid="55">
-                                            <p:txEl>
-                                              <p:pRg st="1" end="1"/>
-                                            </p:txEl>
-                                          </p:spTgt>
-                                        </p:tgtEl>
-                                        <p:attrNameLst>
-                                          <p:attrName>style.visibility</p:attrName>
-                                        </p:attrNameLst>
-                                      </p:cBhvr>
-                                      <p:to>
-                                        <p:strVal val="visible"/>
-                                      </p:to>
-                                    </p:set>
-                                    <p:animEffect transition="in" filter="fade">
-                                      <p:cBhvr>
-                                        <p:cTn id="12" dur="1000"/>
-                                        <p:tgtEl>
-                                          <p:spTgt spid="55">
-                                            <p:txEl>
-                                              <p:pRg st="1" end="1"/>
-                                            </p:txEl>
-                                          </p:spTgt>
-                                        </p:tgtEl>
-                                      </p:cBhvr>
-                                    </p:animEffect>
-                                  </p:childTnLst>
-                                </p:cTn>
-                              </p:par>
-                            </p:childTnLst>
-                          </p:cTn>
-                        </p:par>
-                      </p:childTnLst>
-                    </p:cTn>
-                  </p:par>
-                  <p:par>
-                    <p:cTn id="13" fill="hold">
-                      <p:stCondLst>
-                        <p:cond delay="indefinite"/>
-                      </p:stCondLst>
-                      <p:childTnLst>
-                        <p:par>
-                          <p:cTn id="14" fill="hold">
-                            <p:stCondLst>
-                              <p:cond delay="0"/>
-                            </p:stCondLst>
-                            <p:childTnLst>
-                              <p:par>
-                                <p:cTn id="15" presetID="10" presetClass="entr" presetSubtype="0" fill="hold" nodeType="clickEffect">
-                                  <p:stCondLst>
-                                    <p:cond delay="0"/>
-                                  </p:stCondLst>
-                                  <p:childTnLst>
-                                    <p:set>
-                                      <p:cBhvr>
-                                        <p:cTn id="16" dur="1" fill="hold">
-                                          <p:stCondLst>
-                                            <p:cond delay="0"/>
-                                          </p:stCondLst>
-                                        </p:cTn>
-                                        <p:tgtEl>
-                                          <p:spTgt spid="55">
-                                            <p:txEl>
-                                              <p:pRg st="2" end="2"/>
-                                            </p:txEl>
-                                          </p:spTgt>
-                                        </p:tgtEl>
-                                        <p:attrNameLst>
-                                          <p:attrName>style.visibility</p:attrName>
-                                        </p:attrNameLst>
-                                      </p:cBhvr>
-                                      <p:to>
-                                        <p:strVal val="visible"/>
-                                      </p:to>
-                                    </p:set>
-                                    <p:animEffect transition="in" filter="fade">
-                                      <p:cBhvr>
-                                        <p:cTn id="17" dur="1000"/>
-                                        <p:tgtEl>
-                                          <p:spTgt spid="55">
-                                            <p:txEl>
-                                              <p:pRg st="2" end="2"/>
-                                            </p:txEl>
-                                          </p:spTgt>
-                                        </p:tgtEl>
-                                      </p:cBhvr>
-                                    </p:animEffect>
-                                  </p:childTnLst>
-                                </p:cTn>
-                              </p:par>
-                            </p:childTnLst>
-                          </p:cTn>
-                        </p:par>
-                      </p:childTnLst>
-                    </p:cTn>
-                  </p:par>
-                  <p:par>
-                    <p:cTn id="18" fill="hold">
-                      <p:stCondLst>
-                        <p:cond delay="indefinite"/>
-                      </p:stCondLst>
-                      <p:childTnLst>
-                        <p:par>
-                          <p:cTn id="19" fill="hold">
-                            <p:stCondLst>
-                              <p:cond delay="0"/>
-                            </p:stCondLst>
-                            <p:childTnLst>
-                              <p:par>
-                                <p:cTn id="20" presetID="10" presetClass="entr" presetSubtype="0" fill="hold" nodeType="clickEffect">
-                                  <p:stCondLst>
-                                    <p:cond delay="0"/>
-                                  </p:stCondLst>
-                                  <p:childTnLst>
-                                    <p:set>
-                                      <p:cBhvr>
-                                        <p:cTn id="21" dur="1" fill="hold">
-                                          <p:stCondLst>
-                                            <p:cond delay="0"/>
-                                          </p:stCondLst>
-                                        </p:cTn>
-                                        <p:tgtEl>
-                                          <p:spTgt spid="55">
-                                            <p:txEl>
-                                              <p:pRg st="3" end="3"/>
-                                            </p:txEl>
-                                          </p:spTgt>
-                                        </p:tgtEl>
-                                        <p:attrNameLst>
-                                          <p:attrName>style.visibility</p:attrName>
-                                        </p:attrNameLst>
-                                      </p:cBhvr>
-                                      <p:to>
-                                        <p:strVal val="visible"/>
-                                      </p:to>
-                                    </p:set>
-                                    <p:animEffect transition="in" filter="fade">
-                                      <p:cBhvr>
-                                        <p:cTn id="22" dur="1000"/>
-                                        <p:tgtEl>
-                                          <p:spTgt spid="55">
-                                            <p:txEl>
-                                              <p:pRg st="3" end="3"/>
-                                            </p:txEl>
-                                          </p:spTgt>
-                                        </p:tgtEl>
-                                      </p:cBhvr>
-                                    </p:animEffect>
-                                  </p:childTnLst>
-                                </p:cTn>
-                              </p:par>
-                            </p:childTnLst>
-                          </p:cTn>
-                        </p:par>
-                      </p:childTnLst>
-                    </p:cTn>
-                  </p:par>
-                  <p:par>
-                    <p:cTn id="23" fill="hold">
-                      <p:stCondLst>
-                        <p:cond delay="indefinite"/>
-                      </p:stCondLst>
-                      <p:childTnLst>
-                        <p:par>
-                          <p:cTn id="24" fill="hold">
-                            <p:stCondLst>
-                              <p:cond delay="0"/>
-                            </p:stCondLst>
-                            <p:childTnLst>
-                              <p:par>
-                                <p:cTn id="25" presetID="10" presetClass="entr" presetSubtype="0" fill="hold" nodeType="clickEffect">
-                                  <p:stCondLst>
-                                    <p:cond delay="0"/>
-                                  </p:stCondLst>
-                                  <p:childTnLst>
-                                    <p:set>
-                                      <p:cBhvr>
-                                        <p:cTn id="26" dur="1" fill="hold">
-                                          <p:stCondLst>
-                                            <p:cond delay="0"/>
-                                          </p:stCondLst>
-                                        </p:cTn>
-                                        <p:tgtEl>
-                                          <p:spTgt spid="55">
-                                            <p:txEl>
-                                              <p:pRg st="4" end="4"/>
-                                            </p:txEl>
-                                          </p:spTgt>
-                                        </p:tgtEl>
-                                        <p:attrNameLst>
-                                          <p:attrName>style.visibility</p:attrName>
-                                        </p:attrNameLst>
-                                      </p:cBhvr>
-                                      <p:to>
-                                        <p:strVal val="visible"/>
-                                      </p:to>
-                                    </p:set>
-                                    <p:animEffect transition="in" filter="fade">
-                                      <p:cBhvr>
-                                        <p:cTn id="27" dur="1000"/>
-                                        <p:tgtEl>
-                                          <p:spTgt spid="55">
-                                            <p:txEl>
-                                              <p:pRg st="4" end="4"/>
-                                            </p:txEl>
-                                          </p:spTgt>
-                                        </p:tgtEl>
-                                      </p:cBhvr>
-                                    </p:animEffect>
-                                  </p:childTnLst>
-                                </p:cTn>
-                              </p:par>
-                            </p:childTnLst>
-                          </p:cTn>
-                        </p:par>
-                      </p:childTnLst>
-                    </p:cTn>
-                  </p:par>
-                  <p:par>
-                    <p:cTn id="28" fill="hold">
-                      <p:stCondLst>
-                        <p:cond delay="indefinite"/>
-                      </p:stCondLst>
-                      <p:childTnLst>
-                        <p:par>
-                          <p:cTn id="29" fill="hold">
-                            <p:stCondLst>
-                              <p:cond delay="0"/>
-                            </p:stCondLst>
-                            <p:childTnLst>
-                              <p:par>
-                                <p:cTn id="30" presetID="10" presetClass="entr" presetSubtype="0" fill="hold" nodeType="clickEffect">
-                                  <p:stCondLst>
-                                    <p:cond delay="0"/>
-                                  </p:stCondLst>
-                                  <p:childTnLst>
-                                    <p:set>
-                                      <p:cBhvr>
-                                        <p:cTn id="31" dur="1" fill="hold">
-                                          <p:stCondLst>
-                                            <p:cond delay="0"/>
-                                          </p:stCondLst>
-                                        </p:cTn>
-                                        <p:tgtEl>
-                                          <p:spTgt spid="55">
-                                            <p:txEl>
-                                              <p:pRg st="5" end="5"/>
-                                            </p:txEl>
-                                          </p:spTgt>
-                                        </p:tgtEl>
-                                        <p:attrNameLst>
-                                          <p:attrName>style.visibility</p:attrName>
-                                        </p:attrNameLst>
-                                      </p:cBhvr>
-                                      <p:to>
-                                        <p:strVal val="visible"/>
-                                      </p:to>
-                                    </p:set>
-                                    <p:animEffect transition="in" filter="fade">
-                                      <p:cBhvr>
-                                        <p:cTn id="32" dur="1000"/>
-                                        <p:tgtEl>
-                                          <p:spTgt spid="55">
-                                            <p:txEl>
-                                              <p:pRg st="5" end="5"/>
-                                            </p:txEl>
-                                          </p:spTgt>
-                                        </p:tgtEl>
-                                      </p:cBhvr>
-                                    </p:animEffect>
-                                  </p:childTnLst>
-                                </p:cTn>
-                              </p:par>
-                            </p:childTnLst>
-                          </p:cTn>
-                        </p:par>
-                      </p:childTnLst>
-                    </p:cTn>
-                  </p:par>
-                </p:childTnLst>
-              </p:cTn>
-              <p:prevCondLst>
-                <p:cond evt="onPrev" delay="0">
-                  <p:tgtEl>
-                    <p:sldTgt/>
-                  </p:tgtEl>
-                </p:cond>
-              </p:prevCondLst>
-              <p:nextCondLst>
-                <p:cond evt="onNext" delay="0">
-                  <p:tgtEl>
-                    <p:sldTgt/>
-                  </p:tgtEl>
-                </p:cond>
-              </p:nextCondLst>
-            </p:seq>
-          </p:childTnLst>
-        </p:cTn>
-      </p:par>
-    </p:tnLst>
-  </p:timing>
-</p:sld>
-</file>
-
-<file path=ppt/slides/slide4.xml><?xml version="1.0" encoding="utf-8"?>
-<p:sld xmlns:a="http://schemas.openxmlformats.org/drawingml/2006/main" xmlns:r="http://schemas.openxmlformats.org/officeDocument/2006/relationships" xmlns:p="http://schemas.openxmlformats.org/presentationml/2006/main">
-  <p:cSld>
-    <p:spTree>
-      <p:nvGrpSpPr>
         <p:cNvPr id="1" name=""/>
         <p:cNvGrpSpPr/>
         <p:nvPr/>
@@ -12958,7 +11726,7 @@
 </p:sld>
 </file>
 
-<file path=ppt/slides/slide5.xml><?xml version="1.0" encoding="utf-8"?>
+<file path=ppt/slides/slide4.xml><?xml version="1.0" encoding="utf-8"?>
 <p:sld xmlns:a="http://schemas.openxmlformats.org/drawingml/2006/main" xmlns:r="http://schemas.openxmlformats.org/officeDocument/2006/relationships" xmlns:p="http://schemas.openxmlformats.org/presentationml/2006/main">
   <p:cSld>
     <p:spTree>
@@ -13125,7 +11893,7 @@
 </p:sld>
 </file>
 
-<file path=ppt/slides/slide6.xml><?xml version="1.0" encoding="utf-8"?>
+<file path=ppt/slides/slide5.xml><?xml version="1.0" encoding="utf-8"?>
 <p:sld xmlns:a="http://schemas.openxmlformats.org/drawingml/2006/main" xmlns:r="http://schemas.openxmlformats.org/officeDocument/2006/relationships" xmlns:p="http://schemas.openxmlformats.org/presentationml/2006/main">
   <p:cSld>
     <p:spTree>
@@ -14357,7 +13125,7 @@
 </p:sld>
 </file>
 
-<file path=ppt/slides/slide7.xml><?xml version="1.0" encoding="utf-8"?>
+<file path=ppt/slides/slide6.xml><?xml version="1.0" encoding="utf-8"?>
 <p:sld xmlns:a="http://schemas.openxmlformats.org/drawingml/2006/main" xmlns:r="http://schemas.openxmlformats.org/officeDocument/2006/relationships" xmlns:p="http://schemas.openxmlformats.org/presentationml/2006/main">
   <p:cSld>
     <p:spTree>
@@ -15485,7 +14253,7 @@
 </p:sld>
 </file>
 
-<file path=ppt/slides/slide8.xml><?xml version="1.0" encoding="utf-8"?>
+<file path=ppt/slides/slide7.xml><?xml version="1.0" encoding="utf-8"?>
 <p:sld xmlns:a="http://schemas.openxmlformats.org/drawingml/2006/main" xmlns:r="http://schemas.openxmlformats.org/officeDocument/2006/relationships" xmlns:p="http://schemas.openxmlformats.org/presentationml/2006/main">
   <p:cSld>
     <p:spTree>
@@ -16533,7 +15301,7 @@
 </p:sld>
 </file>
 
-<file path=ppt/slides/slide9.xml><?xml version="1.0" encoding="utf-8"?>
+<file path=ppt/slides/slide8.xml><?xml version="1.0" encoding="utf-8"?>
 <p:sld xmlns:a="http://schemas.openxmlformats.org/drawingml/2006/main" xmlns:r="http://schemas.openxmlformats.org/officeDocument/2006/relationships" xmlns:p="http://schemas.openxmlformats.org/presentationml/2006/main">
   <p:cSld>
     <p:spTree>
@@ -16607,6 +15375,1238 @@
   <p:clrMapOvr>
     <a:masterClrMapping/>
   </p:clrMapOvr>
+</p:sld>
+</file>
+
+<file path=ppt/slides/slide9.xml><?xml version="1.0" encoding="utf-8"?>
+<p:sld xmlns:a="http://schemas.openxmlformats.org/drawingml/2006/main" xmlns:r="http://schemas.openxmlformats.org/officeDocument/2006/relationships" xmlns:p="http://schemas.openxmlformats.org/presentationml/2006/main">
+  <p:cSld>
+    <p:spTree>
+      <p:nvGrpSpPr>
+        <p:cNvPr id="1" name="Shape 85"/>
+        <p:cNvGrpSpPr/>
+        <p:nvPr/>
+      </p:nvGrpSpPr>
+      <p:grpSpPr>
+        <a:xfrm>
+          <a:off x="0" y="0"/>
+          <a:ext cx="0" cy="0"/>
+          <a:chOff x="0" y="0"/>
+          <a:chExt cx="0" cy="0"/>
+        </a:xfrm>
+      </p:grpSpPr>
+      <p:sp>
+        <p:nvSpPr>
+          <p:cNvPr id="86" name="Shape 86"/>
+          <p:cNvSpPr txBox="1">
+            <a:spLocks noGrp="1"/>
+          </p:cNvSpPr>
+          <p:nvPr>
+            <p:ph type="title"/>
+          </p:nvPr>
+        </p:nvSpPr>
+        <p:spPr>
+          <a:xfrm>
+            <a:off x="62275" y="-124550"/>
+            <a:ext cx="8769900" cy="524700"/>
+          </a:xfrm>
+          <a:prstGeom prst="rect">
+            <a:avLst/>
+          </a:prstGeom>
+        </p:spPr>
+        <p:txBody>
+          <a:bodyPr spcFirstLastPara="1" wrap="square" lIns="91425" tIns="91425" rIns="91425" bIns="91425" anchor="t" anchorCtr="0">
+            <a:noAutofit/>
+          </a:bodyPr>
+          <a:lstStyle/>
+          <a:p>
+            <a:pPr marL="0" lvl="0" indent="0" rtl="0">
+              <a:spcBef>
+                <a:spcPts val="0"/>
+              </a:spcBef>
+              <a:spcAft>
+                <a:spcPts val="0"/>
+              </a:spcAft>
+              <a:buNone/>
+            </a:pPr>
+            <a:r>
+              <a:rPr lang="en" sz="4000"/>
+              <a:t>How do you use a VCS?</a:t>
+            </a:r>
+            <a:endParaRPr sz="4000"/>
+          </a:p>
+        </p:txBody>
+      </p:sp>
+      <p:sp>
+        <p:nvSpPr>
+          <p:cNvPr id="87" name="Shape 87"/>
+          <p:cNvSpPr txBox="1"/>
+          <p:nvPr/>
+        </p:nvSpPr>
+        <p:spPr>
+          <a:xfrm>
+            <a:off x="418050" y="658225"/>
+            <a:ext cx="8619300" cy="4349700"/>
+          </a:xfrm>
+          <a:prstGeom prst="rect">
+            <a:avLst/>
+          </a:prstGeom>
+          <a:noFill/>
+          <a:ln>
+            <a:noFill/>
+          </a:ln>
+        </p:spPr>
+        <p:txBody>
+          <a:bodyPr spcFirstLastPara="1" wrap="square" lIns="91425" tIns="91425" rIns="91425" bIns="91425" anchor="t" anchorCtr="0">
+            <a:noAutofit/>
+          </a:bodyPr>
+          <a:lstStyle/>
+          <a:p>
+            <a:pPr marL="457200" lvl="0" indent="-381000" rtl="0">
+              <a:lnSpc>
+                <a:spcPct val="150000"/>
+              </a:lnSpc>
+              <a:spcBef>
+                <a:spcPts val="0"/>
+              </a:spcBef>
+              <a:spcAft>
+                <a:spcPts val="0"/>
+              </a:spcAft>
+              <a:buClr>
+                <a:srgbClr val="FFFFFF"/>
+              </a:buClr>
+              <a:buSzPts val="2400"/>
+              <a:buChar char="●"/>
+            </a:pPr>
+            <a:r>
+              <a:rPr lang="en" sz="2400">
+                <a:solidFill>
+                  <a:srgbClr val="FFFFFF"/>
+                </a:solidFill>
+              </a:rPr>
+              <a:t>Install the VCS software on your computer</a:t>
+            </a:r>
+            <a:endParaRPr sz="2400">
+              <a:solidFill>
+                <a:srgbClr val="FFFFFF"/>
+              </a:solidFill>
+            </a:endParaRPr>
+          </a:p>
+          <a:p>
+            <a:pPr marL="457200" lvl="0" indent="-381000" rtl="0">
+              <a:lnSpc>
+                <a:spcPct val="150000"/>
+              </a:lnSpc>
+              <a:spcBef>
+                <a:spcPts val="0"/>
+              </a:spcBef>
+              <a:spcAft>
+                <a:spcPts val="0"/>
+              </a:spcAft>
+              <a:buClr>
+                <a:srgbClr val="FFFFFF"/>
+              </a:buClr>
+              <a:buSzPts val="2400"/>
+              <a:buChar char="●"/>
+            </a:pPr>
+            <a:r>
+              <a:rPr lang="en" sz="2400">
+                <a:solidFill>
+                  <a:srgbClr val="FFFFFF"/>
+                </a:solidFill>
+              </a:rPr>
+              <a:t>Setup a repository on your computer (two options)</a:t>
+            </a:r>
+            <a:endParaRPr sz="2400">
+              <a:solidFill>
+                <a:srgbClr val="FFFFFF"/>
+              </a:solidFill>
+            </a:endParaRPr>
+          </a:p>
+          <a:p>
+            <a:pPr marL="914400" lvl="1" indent="-381000" rtl="0">
+              <a:lnSpc>
+                <a:spcPct val="150000"/>
+              </a:lnSpc>
+              <a:spcBef>
+                <a:spcPts val="0"/>
+              </a:spcBef>
+              <a:spcAft>
+                <a:spcPts val="0"/>
+              </a:spcAft>
+              <a:buClr>
+                <a:srgbClr val="FFFFFF"/>
+              </a:buClr>
+              <a:buSzPts val="2400"/>
+              <a:buChar char="○"/>
+            </a:pPr>
+            <a:r>
+              <a:rPr lang="en" sz="2400">
+                <a:solidFill>
+                  <a:srgbClr val="FFFFFF"/>
+                </a:solidFill>
+              </a:rPr>
+              <a:t>1) create/initialize a repository in a folder OR</a:t>
+            </a:r>
+            <a:endParaRPr sz="2400">
+              <a:solidFill>
+                <a:srgbClr val="FFFFFF"/>
+              </a:solidFill>
+            </a:endParaRPr>
+          </a:p>
+          <a:p>
+            <a:pPr marL="914400" lvl="1" indent="-381000" rtl="0">
+              <a:lnSpc>
+                <a:spcPct val="150000"/>
+              </a:lnSpc>
+              <a:spcBef>
+                <a:spcPts val="0"/>
+              </a:spcBef>
+              <a:spcAft>
+                <a:spcPts val="0"/>
+              </a:spcAft>
+              <a:buClr>
+                <a:srgbClr val="FFFFFF"/>
+              </a:buClr>
+              <a:buSzPts val="2400"/>
+              <a:buChar char="○"/>
+            </a:pPr>
+            <a:r>
+              <a:rPr lang="en" sz="2400">
+                <a:solidFill>
+                  <a:srgbClr val="FFFFFF"/>
+                </a:solidFill>
+              </a:rPr>
+              <a:t>2) download/clone an existing remote repository</a:t>
+            </a:r>
+            <a:endParaRPr sz="2400">
+              <a:solidFill>
+                <a:srgbClr val="FFFFFF"/>
+              </a:solidFill>
+            </a:endParaRPr>
+          </a:p>
+          <a:p>
+            <a:pPr marL="457200" lvl="0" indent="-381000" rtl="0">
+              <a:lnSpc>
+                <a:spcPct val="150000"/>
+              </a:lnSpc>
+              <a:spcBef>
+                <a:spcPts val="0"/>
+              </a:spcBef>
+              <a:spcAft>
+                <a:spcPts val="0"/>
+              </a:spcAft>
+              <a:buClr>
+                <a:srgbClr val="FFFFFF"/>
+              </a:buClr>
+              <a:buSzPts val="2400"/>
+              <a:buChar char="●"/>
+            </a:pPr>
+            <a:r>
+              <a:rPr lang="en" sz="2400">
+                <a:solidFill>
+                  <a:srgbClr val="FFFFFF"/>
+                </a:solidFill>
+              </a:rPr>
+              <a:t>Commit files/changes to that repository</a:t>
+            </a:r>
+            <a:endParaRPr sz="2400">
+              <a:solidFill>
+                <a:srgbClr val="FFFFFF"/>
+              </a:solidFill>
+            </a:endParaRPr>
+          </a:p>
+          <a:p>
+            <a:pPr marL="457200" lvl="0" indent="-381000" rtl="0">
+              <a:lnSpc>
+                <a:spcPct val="150000"/>
+              </a:lnSpc>
+              <a:spcBef>
+                <a:spcPts val="0"/>
+              </a:spcBef>
+              <a:spcAft>
+                <a:spcPts val="0"/>
+              </a:spcAft>
+              <a:buClr>
+                <a:srgbClr val="FFFFFF"/>
+              </a:buClr>
+              <a:buSzPts val="2400"/>
+              <a:buChar char="●"/>
+            </a:pPr>
+            <a:r>
+              <a:rPr lang="en" sz="2400">
+                <a:solidFill>
+                  <a:srgbClr val="FFFFFF"/>
+                </a:solidFill>
+              </a:rPr>
+              <a:t>If using a remote repository you can push changes</a:t>
+            </a:r>
+            <a:endParaRPr sz="2400">
+              <a:solidFill>
+                <a:srgbClr val="FFFFFF"/>
+              </a:solidFill>
+            </a:endParaRPr>
+          </a:p>
+          <a:p>
+            <a:pPr marL="0" marR="0" lvl="0" indent="0" algn="l" rtl="0">
+              <a:lnSpc>
+                <a:spcPct val="115000"/>
+              </a:lnSpc>
+              <a:spcBef>
+                <a:spcPts val="0"/>
+              </a:spcBef>
+              <a:spcAft>
+                <a:spcPts val="0"/>
+              </a:spcAft>
+              <a:buNone/>
+            </a:pPr>
+            <a:endParaRPr sz="2400">
+              <a:solidFill>
+                <a:srgbClr val="FFFFFF"/>
+              </a:solidFill>
+            </a:endParaRPr>
+          </a:p>
+          <a:p>
+            <a:pPr marL="0" marR="0" lvl="0" indent="0" algn="l" rtl="0">
+              <a:lnSpc>
+                <a:spcPct val="115000"/>
+              </a:lnSpc>
+              <a:spcBef>
+                <a:spcPts val="0"/>
+              </a:spcBef>
+              <a:spcAft>
+                <a:spcPts val="0"/>
+              </a:spcAft>
+              <a:buNone/>
+            </a:pPr>
+            <a:endParaRPr sz="2400">
+              <a:solidFill>
+                <a:srgbClr val="FFFFFF"/>
+              </a:solidFill>
+            </a:endParaRPr>
+          </a:p>
+          <a:p>
+            <a:pPr marL="0" lvl="0" indent="0" rtl="0">
+              <a:lnSpc>
+                <a:spcPct val="115000"/>
+              </a:lnSpc>
+              <a:spcBef>
+                <a:spcPts val="0"/>
+              </a:spcBef>
+              <a:spcAft>
+                <a:spcPts val="0"/>
+              </a:spcAft>
+              <a:buNone/>
+            </a:pPr>
+            <a:endParaRPr sz="2400">
+              <a:solidFill>
+                <a:schemeClr val="dk1"/>
+              </a:solidFill>
+            </a:endParaRPr>
+          </a:p>
+          <a:p>
+            <a:pPr marL="0" lvl="0" indent="0" rtl="0">
+              <a:lnSpc>
+                <a:spcPct val="115000"/>
+              </a:lnSpc>
+              <a:spcBef>
+                <a:spcPts val="1000"/>
+              </a:spcBef>
+              <a:spcAft>
+                <a:spcPts val="0"/>
+              </a:spcAft>
+              <a:buNone/>
+            </a:pPr>
+            <a:endParaRPr sz="2200">
+              <a:solidFill>
+                <a:srgbClr val="FFFFFF"/>
+              </a:solidFill>
+            </a:endParaRPr>
+          </a:p>
+          <a:p>
+            <a:pPr marL="0" lvl="0" indent="0" rtl="0">
+              <a:lnSpc>
+                <a:spcPct val="115000"/>
+              </a:lnSpc>
+              <a:spcBef>
+                <a:spcPts val="0"/>
+              </a:spcBef>
+              <a:spcAft>
+                <a:spcPts val="0"/>
+              </a:spcAft>
+              <a:buNone/>
+            </a:pPr>
+            <a:endParaRPr sz="2200">
+              <a:solidFill>
+                <a:srgbClr val="FFFFFF"/>
+              </a:solidFill>
+            </a:endParaRPr>
+          </a:p>
+          <a:p>
+            <a:pPr marL="0" marR="0" lvl="0" indent="0" algn="l" rtl="0">
+              <a:lnSpc>
+                <a:spcPct val="100000"/>
+              </a:lnSpc>
+              <a:spcBef>
+                <a:spcPts val="0"/>
+              </a:spcBef>
+              <a:spcAft>
+                <a:spcPts val="0"/>
+              </a:spcAft>
+              <a:buNone/>
+            </a:pPr>
+            <a:endParaRPr sz="2400">
+              <a:solidFill>
+                <a:srgbClr val="FFFFFF"/>
+              </a:solidFill>
+            </a:endParaRPr>
+          </a:p>
+          <a:p>
+            <a:pPr marL="0" lvl="0" indent="0" rtl="0">
+              <a:spcBef>
+                <a:spcPts val="0"/>
+              </a:spcBef>
+              <a:spcAft>
+                <a:spcPts val="0"/>
+              </a:spcAft>
+              <a:buNone/>
+            </a:pPr>
+            <a:endParaRPr sz="2400">
+              <a:solidFill>
+                <a:srgbClr val="FFFFFF"/>
+              </a:solidFill>
+            </a:endParaRPr>
+          </a:p>
+        </p:txBody>
+      </p:sp>
+    </p:spTree>
+  </p:cSld>
+  <p:clrMapOvr>
+    <a:masterClrMapping/>
+  </p:clrMapOvr>
+  <p:timing>
+    <p:tnLst>
+      <p:par>
+        <p:cTn id="1" dur="indefinite" restart="never" nodeType="tmRoot">
+          <p:childTnLst>
+            <p:seq concurrent="1" nextAc="seek">
+              <p:cTn id="2" dur="indefinite" nodeType="mainSeq">
+                <p:childTnLst>
+                  <p:par>
+                    <p:cTn id="3" fill="hold">
+                      <p:stCondLst>
+                        <p:cond delay="indefinite"/>
+                      </p:stCondLst>
+                      <p:childTnLst>
+                        <p:par>
+                          <p:cTn id="4" fill="hold">
+                            <p:stCondLst>
+                              <p:cond delay="0"/>
+                            </p:stCondLst>
+                            <p:childTnLst>
+                              <p:par>
+                                <p:cTn id="5" presetID="10" presetClass="entr" presetSubtype="0" fill="hold" nodeType="clickEffect">
+                                  <p:stCondLst>
+                                    <p:cond delay="0"/>
+                                  </p:stCondLst>
+                                  <p:childTnLst>
+                                    <p:set>
+                                      <p:cBhvr>
+                                        <p:cTn id="6" dur="1" fill="hold">
+                                          <p:stCondLst>
+                                            <p:cond delay="0"/>
+                                          </p:stCondLst>
+                                        </p:cTn>
+                                        <p:tgtEl>
+                                          <p:spTgt spid="87">
+                                            <p:txEl>
+                                              <p:pRg st="0" end="0"/>
+                                            </p:txEl>
+                                          </p:spTgt>
+                                        </p:tgtEl>
+                                        <p:attrNameLst>
+                                          <p:attrName>style.visibility</p:attrName>
+                                        </p:attrNameLst>
+                                      </p:cBhvr>
+                                      <p:to>
+                                        <p:strVal val="visible"/>
+                                      </p:to>
+                                    </p:set>
+                                    <p:animEffect transition="in" filter="fade">
+                                      <p:cBhvr>
+                                        <p:cTn id="7" dur="1000"/>
+                                        <p:tgtEl>
+                                          <p:spTgt spid="87">
+                                            <p:txEl>
+                                              <p:pRg st="0" end="0"/>
+                                            </p:txEl>
+                                          </p:spTgt>
+                                        </p:tgtEl>
+                                      </p:cBhvr>
+                                    </p:animEffect>
+                                  </p:childTnLst>
+                                </p:cTn>
+                              </p:par>
+                            </p:childTnLst>
+                          </p:cTn>
+                        </p:par>
+                      </p:childTnLst>
+                    </p:cTn>
+                  </p:par>
+                  <p:par>
+                    <p:cTn id="8" fill="hold">
+                      <p:stCondLst>
+                        <p:cond delay="indefinite"/>
+                      </p:stCondLst>
+                      <p:childTnLst>
+                        <p:par>
+                          <p:cTn id="9" fill="hold">
+                            <p:stCondLst>
+                              <p:cond delay="0"/>
+                            </p:stCondLst>
+                            <p:childTnLst>
+                              <p:par>
+                                <p:cTn id="10" presetID="10" presetClass="entr" presetSubtype="0" fill="hold" nodeType="clickEffect">
+                                  <p:stCondLst>
+                                    <p:cond delay="0"/>
+                                  </p:stCondLst>
+                                  <p:childTnLst>
+                                    <p:set>
+                                      <p:cBhvr>
+                                        <p:cTn id="11" dur="1" fill="hold">
+                                          <p:stCondLst>
+                                            <p:cond delay="0"/>
+                                          </p:stCondLst>
+                                        </p:cTn>
+                                        <p:tgtEl>
+                                          <p:spTgt spid="87">
+                                            <p:txEl>
+                                              <p:pRg st="1" end="1"/>
+                                            </p:txEl>
+                                          </p:spTgt>
+                                        </p:tgtEl>
+                                        <p:attrNameLst>
+                                          <p:attrName>style.visibility</p:attrName>
+                                        </p:attrNameLst>
+                                      </p:cBhvr>
+                                      <p:to>
+                                        <p:strVal val="visible"/>
+                                      </p:to>
+                                    </p:set>
+                                    <p:animEffect transition="in" filter="fade">
+                                      <p:cBhvr>
+                                        <p:cTn id="12" dur="1000"/>
+                                        <p:tgtEl>
+                                          <p:spTgt spid="87">
+                                            <p:txEl>
+                                              <p:pRg st="1" end="1"/>
+                                            </p:txEl>
+                                          </p:spTgt>
+                                        </p:tgtEl>
+                                      </p:cBhvr>
+                                    </p:animEffect>
+                                  </p:childTnLst>
+                                </p:cTn>
+                              </p:par>
+                            </p:childTnLst>
+                          </p:cTn>
+                        </p:par>
+                      </p:childTnLst>
+                    </p:cTn>
+                  </p:par>
+                  <p:par>
+                    <p:cTn id="13" fill="hold">
+                      <p:stCondLst>
+                        <p:cond delay="indefinite"/>
+                      </p:stCondLst>
+                      <p:childTnLst>
+                        <p:par>
+                          <p:cTn id="14" fill="hold">
+                            <p:stCondLst>
+                              <p:cond delay="0"/>
+                            </p:stCondLst>
+                            <p:childTnLst>
+                              <p:par>
+                                <p:cTn id="15" presetID="10" presetClass="entr" presetSubtype="0" fill="hold" nodeType="clickEffect">
+                                  <p:stCondLst>
+                                    <p:cond delay="0"/>
+                                  </p:stCondLst>
+                                  <p:childTnLst>
+                                    <p:set>
+                                      <p:cBhvr>
+                                        <p:cTn id="16" dur="1" fill="hold">
+                                          <p:stCondLst>
+                                            <p:cond delay="0"/>
+                                          </p:stCondLst>
+                                        </p:cTn>
+                                        <p:tgtEl>
+                                          <p:spTgt spid="87">
+                                            <p:txEl>
+                                              <p:pRg st="2" end="2"/>
+                                            </p:txEl>
+                                          </p:spTgt>
+                                        </p:tgtEl>
+                                        <p:attrNameLst>
+                                          <p:attrName>style.visibility</p:attrName>
+                                        </p:attrNameLst>
+                                      </p:cBhvr>
+                                      <p:to>
+                                        <p:strVal val="visible"/>
+                                      </p:to>
+                                    </p:set>
+                                    <p:animEffect transition="in" filter="fade">
+                                      <p:cBhvr>
+                                        <p:cTn id="17" dur="1000"/>
+                                        <p:tgtEl>
+                                          <p:spTgt spid="87">
+                                            <p:txEl>
+                                              <p:pRg st="2" end="2"/>
+                                            </p:txEl>
+                                          </p:spTgt>
+                                        </p:tgtEl>
+                                      </p:cBhvr>
+                                    </p:animEffect>
+                                  </p:childTnLst>
+                                </p:cTn>
+                              </p:par>
+                            </p:childTnLst>
+                          </p:cTn>
+                        </p:par>
+                      </p:childTnLst>
+                    </p:cTn>
+                  </p:par>
+                  <p:par>
+                    <p:cTn id="18" fill="hold">
+                      <p:stCondLst>
+                        <p:cond delay="indefinite"/>
+                      </p:stCondLst>
+                      <p:childTnLst>
+                        <p:par>
+                          <p:cTn id="19" fill="hold">
+                            <p:stCondLst>
+                              <p:cond delay="0"/>
+                            </p:stCondLst>
+                            <p:childTnLst>
+                              <p:par>
+                                <p:cTn id="20" presetID="10" presetClass="entr" presetSubtype="0" fill="hold" nodeType="clickEffect">
+                                  <p:stCondLst>
+                                    <p:cond delay="0"/>
+                                  </p:stCondLst>
+                                  <p:childTnLst>
+                                    <p:set>
+                                      <p:cBhvr>
+                                        <p:cTn id="21" dur="1" fill="hold">
+                                          <p:stCondLst>
+                                            <p:cond delay="0"/>
+                                          </p:stCondLst>
+                                        </p:cTn>
+                                        <p:tgtEl>
+                                          <p:spTgt spid="87">
+                                            <p:txEl>
+                                              <p:pRg st="3" end="3"/>
+                                            </p:txEl>
+                                          </p:spTgt>
+                                        </p:tgtEl>
+                                        <p:attrNameLst>
+                                          <p:attrName>style.visibility</p:attrName>
+                                        </p:attrNameLst>
+                                      </p:cBhvr>
+                                      <p:to>
+                                        <p:strVal val="visible"/>
+                                      </p:to>
+                                    </p:set>
+                                    <p:animEffect transition="in" filter="fade">
+                                      <p:cBhvr>
+                                        <p:cTn id="22" dur="1000"/>
+                                        <p:tgtEl>
+                                          <p:spTgt spid="87">
+                                            <p:txEl>
+                                              <p:pRg st="3" end="3"/>
+                                            </p:txEl>
+                                          </p:spTgt>
+                                        </p:tgtEl>
+                                      </p:cBhvr>
+                                    </p:animEffect>
+                                  </p:childTnLst>
+                                </p:cTn>
+                              </p:par>
+                            </p:childTnLst>
+                          </p:cTn>
+                        </p:par>
+                      </p:childTnLst>
+                    </p:cTn>
+                  </p:par>
+                  <p:par>
+                    <p:cTn id="23" fill="hold">
+                      <p:stCondLst>
+                        <p:cond delay="indefinite"/>
+                      </p:stCondLst>
+                      <p:childTnLst>
+                        <p:par>
+                          <p:cTn id="24" fill="hold">
+                            <p:stCondLst>
+                              <p:cond delay="0"/>
+                            </p:stCondLst>
+                            <p:childTnLst>
+                              <p:par>
+                                <p:cTn id="25" presetID="10" presetClass="entr" presetSubtype="0" fill="hold" nodeType="clickEffect">
+                                  <p:stCondLst>
+                                    <p:cond delay="0"/>
+                                  </p:stCondLst>
+                                  <p:childTnLst>
+                                    <p:set>
+                                      <p:cBhvr>
+                                        <p:cTn id="26" dur="1" fill="hold">
+                                          <p:stCondLst>
+                                            <p:cond delay="0"/>
+                                          </p:stCondLst>
+                                        </p:cTn>
+                                        <p:tgtEl>
+                                          <p:spTgt spid="87">
+                                            <p:txEl>
+                                              <p:pRg st="4" end="4"/>
+                                            </p:txEl>
+                                          </p:spTgt>
+                                        </p:tgtEl>
+                                        <p:attrNameLst>
+                                          <p:attrName>style.visibility</p:attrName>
+                                        </p:attrNameLst>
+                                      </p:cBhvr>
+                                      <p:to>
+                                        <p:strVal val="visible"/>
+                                      </p:to>
+                                    </p:set>
+                                    <p:animEffect transition="in" filter="fade">
+                                      <p:cBhvr>
+                                        <p:cTn id="27" dur="1000"/>
+                                        <p:tgtEl>
+                                          <p:spTgt spid="87">
+                                            <p:txEl>
+                                              <p:pRg st="4" end="4"/>
+                                            </p:txEl>
+                                          </p:spTgt>
+                                        </p:tgtEl>
+                                      </p:cBhvr>
+                                    </p:animEffect>
+                                  </p:childTnLst>
+                                </p:cTn>
+                              </p:par>
+                            </p:childTnLst>
+                          </p:cTn>
+                        </p:par>
+                      </p:childTnLst>
+                    </p:cTn>
+                  </p:par>
+                  <p:par>
+                    <p:cTn id="28" fill="hold">
+                      <p:stCondLst>
+                        <p:cond delay="indefinite"/>
+                      </p:stCondLst>
+                      <p:childTnLst>
+                        <p:par>
+                          <p:cTn id="29" fill="hold">
+                            <p:stCondLst>
+                              <p:cond delay="0"/>
+                            </p:stCondLst>
+                            <p:childTnLst>
+                              <p:par>
+                                <p:cTn id="30" presetID="10" presetClass="entr" presetSubtype="0" fill="hold" nodeType="clickEffect">
+                                  <p:stCondLst>
+                                    <p:cond delay="0"/>
+                                  </p:stCondLst>
+                                  <p:childTnLst>
+                                    <p:set>
+                                      <p:cBhvr>
+                                        <p:cTn id="31" dur="1" fill="hold">
+                                          <p:stCondLst>
+                                            <p:cond delay="0"/>
+                                          </p:stCondLst>
+                                        </p:cTn>
+                                        <p:tgtEl>
+                                          <p:spTgt spid="87">
+                                            <p:txEl>
+                                              <p:pRg st="5" end="5"/>
+                                            </p:txEl>
+                                          </p:spTgt>
+                                        </p:tgtEl>
+                                        <p:attrNameLst>
+                                          <p:attrName>style.visibility</p:attrName>
+                                        </p:attrNameLst>
+                                      </p:cBhvr>
+                                      <p:to>
+                                        <p:strVal val="visible"/>
+                                      </p:to>
+                                    </p:set>
+                                    <p:animEffect transition="in" filter="fade">
+                                      <p:cBhvr>
+                                        <p:cTn id="32" dur="1000"/>
+                                        <p:tgtEl>
+                                          <p:spTgt spid="87">
+                                            <p:txEl>
+                                              <p:pRg st="5" end="5"/>
+                                            </p:txEl>
+                                          </p:spTgt>
+                                        </p:tgtEl>
+                                      </p:cBhvr>
+                                    </p:animEffect>
+                                  </p:childTnLst>
+                                </p:cTn>
+                              </p:par>
+                            </p:childTnLst>
+                          </p:cTn>
+                        </p:par>
+                      </p:childTnLst>
+                    </p:cTn>
+                  </p:par>
+                  <p:par>
+                    <p:cTn id="33" fill="hold">
+                      <p:stCondLst>
+                        <p:cond delay="indefinite"/>
+                      </p:stCondLst>
+                      <p:childTnLst>
+                        <p:par>
+                          <p:cTn id="34" fill="hold">
+                            <p:stCondLst>
+                              <p:cond delay="0"/>
+                            </p:stCondLst>
+                            <p:childTnLst>
+                              <p:par>
+                                <p:cTn id="35" presetID="10" presetClass="entr" presetSubtype="0" fill="hold" nodeType="clickEffect">
+                                  <p:stCondLst>
+                                    <p:cond delay="0"/>
+                                  </p:stCondLst>
+                                  <p:childTnLst>
+                                    <p:set>
+                                      <p:cBhvr>
+                                        <p:cTn id="36" dur="1" fill="hold">
+                                          <p:stCondLst>
+                                            <p:cond delay="0"/>
+                                          </p:stCondLst>
+                                        </p:cTn>
+                                        <p:tgtEl>
+                                          <p:spTgt spid="87">
+                                            <p:txEl>
+                                              <p:pRg st="6" end="6"/>
+                                            </p:txEl>
+                                          </p:spTgt>
+                                        </p:tgtEl>
+                                        <p:attrNameLst>
+                                          <p:attrName>style.visibility</p:attrName>
+                                        </p:attrNameLst>
+                                      </p:cBhvr>
+                                      <p:to>
+                                        <p:strVal val="visible"/>
+                                      </p:to>
+                                    </p:set>
+                                    <p:animEffect transition="in" filter="fade">
+                                      <p:cBhvr>
+                                        <p:cTn id="37" dur="1000"/>
+                                        <p:tgtEl>
+                                          <p:spTgt spid="87">
+                                            <p:txEl>
+                                              <p:pRg st="6" end="6"/>
+                                            </p:txEl>
+                                          </p:spTgt>
+                                        </p:tgtEl>
+                                      </p:cBhvr>
+                                    </p:animEffect>
+                                  </p:childTnLst>
+                                </p:cTn>
+                              </p:par>
+                            </p:childTnLst>
+                          </p:cTn>
+                        </p:par>
+                      </p:childTnLst>
+                    </p:cTn>
+                  </p:par>
+                  <p:par>
+                    <p:cTn id="38" fill="hold">
+                      <p:stCondLst>
+                        <p:cond delay="indefinite"/>
+                      </p:stCondLst>
+                      <p:childTnLst>
+                        <p:par>
+                          <p:cTn id="39" fill="hold">
+                            <p:stCondLst>
+                              <p:cond delay="0"/>
+                            </p:stCondLst>
+                            <p:childTnLst>
+                              <p:par>
+                                <p:cTn id="40" presetID="10" presetClass="entr" presetSubtype="0" fill="hold" nodeType="clickEffect">
+                                  <p:stCondLst>
+                                    <p:cond delay="0"/>
+                                  </p:stCondLst>
+                                  <p:childTnLst>
+                                    <p:set>
+                                      <p:cBhvr>
+                                        <p:cTn id="41" dur="1" fill="hold">
+                                          <p:stCondLst>
+                                            <p:cond delay="0"/>
+                                          </p:stCondLst>
+                                        </p:cTn>
+                                        <p:tgtEl>
+                                          <p:spTgt spid="87">
+                                            <p:txEl>
+                                              <p:pRg st="7" end="7"/>
+                                            </p:txEl>
+                                          </p:spTgt>
+                                        </p:tgtEl>
+                                        <p:attrNameLst>
+                                          <p:attrName>style.visibility</p:attrName>
+                                        </p:attrNameLst>
+                                      </p:cBhvr>
+                                      <p:to>
+                                        <p:strVal val="visible"/>
+                                      </p:to>
+                                    </p:set>
+                                    <p:animEffect transition="in" filter="fade">
+                                      <p:cBhvr>
+                                        <p:cTn id="42" dur="1000"/>
+                                        <p:tgtEl>
+                                          <p:spTgt spid="87">
+                                            <p:txEl>
+                                              <p:pRg st="7" end="7"/>
+                                            </p:txEl>
+                                          </p:spTgt>
+                                        </p:tgtEl>
+                                      </p:cBhvr>
+                                    </p:animEffect>
+                                  </p:childTnLst>
+                                </p:cTn>
+                              </p:par>
+                            </p:childTnLst>
+                          </p:cTn>
+                        </p:par>
+                      </p:childTnLst>
+                    </p:cTn>
+                  </p:par>
+                  <p:par>
+                    <p:cTn id="43" fill="hold">
+                      <p:stCondLst>
+                        <p:cond delay="indefinite"/>
+                      </p:stCondLst>
+                      <p:childTnLst>
+                        <p:par>
+                          <p:cTn id="44" fill="hold">
+                            <p:stCondLst>
+                              <p:cond delay="0"/>
+                            </p:stCondLst>
+                            <p:childTnLst>
+                              <p:par>
+                                <p:cTn id="45" presetID="10" presetClass="entr" presetSubtype="0" fill="hold" nodeType="clickEffect">
+                                  <p:stCondLst>
+                                    <p:cond delay="0"/>
+                                  </p:stCondLst>
+                                  <p:childTnLst>
+                                    <p:set>
+                                      <p:cBhvr>
+                                        <p:cTn id="46" dur="1" fill="hold">
+                                          <p:stCondLst>
+                                            <p:cond delay="0"/>
+                                          </p:stCondLst>
+                                        </p:cTn>
+                                        <p:tgtEl>
+                                          <p:spTgt spid="87">
+                                            <p:txEl>
+                                              <p:pRg st="8" end="8"/>
+                                            </p:txEl>
+                                          </p:spTgt>
+                                        </p:tgtEl>
+                                        <p:attrNameLst>
+                                          <p:attrName>style.visibility</p:attrName>
+                                        </p:attrNameLst>
+                                      </p:cBhvr>
+                                      <p:to>
+                                        <p:strVal val="visible"/>
+                                      </p:to>
+                                    </p:set>
+                                    <p:animEffect transition="in" filter="fade">
+                                      <p:cBhvr>
+                                        <p:cTn id="47" dur="1000"/>
+                                        <p:tgtEl>
+                                          <p:spTgt spid="87">
+                                            <p:txEl>
+                                              <p:pRg st="8" end="8"/>
+                                            </p:txEl>
+                                          </p:spTgt>
+                                        </p:tgtEl>
+                                      </p:cBhvr>
+                                    </p:animEffect>
+                                  </p:childTnLst>
+                                </p:cTn>
+                              </p:par>
+                            </p:childTnLst>
+                          </p:cTn>
+                        </p:par>
+                      </p:childTnLst>
+                    </p:cTn>
+                  </p:par>
+                  <p:par>
+                    <p:cTn id="48" fill="hold">
+                      <p:stCondLst>
+                        <p:cond delay="indefinite"/>
+                      </p:stCondLst>
+                      <p:childTnLst>
+                        <p:par>
+                          <p:cTn id="49" fill="hold">
+                            <p:stCondLst>
+                              <p:cond delay="0"/>
+                            </p:stCondLst>
+                            <p:childTnLst>
+                              <p:par>
+                                <p:cTn id="50" presetID="10" presetClass="entr" presetSubtype="0" fill="hold" nodeType="clickEffect">
+                                  <p:stCondLst>
+                                    <p:cond delay="0"/>
+                                  </p:stCondLst>
+                                  <p:childTnLst>
+                                    <p:set>
+                                      <p:cBhvr>
+                                        <p:cTn id="51" dur="1" fill="hold">
+                                          <p:stCondLst>
+                                            <p:cond delay="0"/>
+                                          </p:stCondLst>
+                                        </p:cTn>
+                                        <p:tgtEl>
+                                          <p:spTgt spid="87">
+                                            <p:txEl>
+                                              <p:pRg st="9" end="9"/>
+                                            </p:txEl>
+                                          </p:spTgt>
+                                        </p:tgtEl>
+                                        <p:attrNameLst>
+                                          <p:attrName>style.visibility</p:attrName>
+                                        </p:attrNameLst>
+                                      </p:cBhvr>
+                                      <p:to>
+                                        <p:strVal val="visible"/>
+                                      </p:to>
+                                    </p:set>
+                                    <p:animEffect transition="in" filter="fade">
+                                      <p:cBhvr>
+                                        <p:cTn id="52" dur="1000"/>
+                                        <p:tgtEl>
+                                          <p:spTgt spid="87">
+                                            <p:txEl>
+                                              <p:pRg st="9" end="9"/>
+                                            </p:txEl>
+                                          </p:spTgt>
+                                        </p:tgtEl>
+                                      </p:cBhvr>
+                                    </p:animEffect>
+                                  </p:childTnLst>
+                                </p:cTn>
+                              </p:par>
+                            </p:childTnLst>
+                          </p:cTn>
+                        </p:par>
+                      </p:childTnLst>
+                    </p:cTn>
+                  </p:par>
+                  <p:par>
+                    <p:cTn id="53" fill="hold">
+                      <p:stCondLst>
+                        <p:cond delay="indefinite"/>
+                      </p:stCondLst>
+                      <p:childTnLst>
+                        <p:par>
+                          <p:cTn id="54" fill="hold">
+                            <p:stCondLst>
+                              <p:cond delay="0"/>
+                            </p:stCondLst>
+                            <p:childTnLst>
+                              <p:par>
+                                <p:cTn id="55" presetID="10" presetClass="entr" presetSubtype="0" fill="hold" nodeType="clickEffect">
+                                  <p:stCondLst>
+                                    <p:cond delay="0"/>
+                                  </p:stCondLst>
+                                  <p:childTnLst>
+                                    <p:set>
+                                      <p:cBhvr>
+                                        <p:cTn id="56" dur="1" fill="hold">
+                                          <p:stCondLst>
+                                            <p:cond delay="0"/>
+                                          </p:stCondLst>
+                                        </p:cTn>
+                                        <p:tgtEl>
+                                          <p:spTgt spid="87">
+                                            <p:txEl>
+                                              <p:pRg st="10" end="10"/>
+                                            </p:txEl>
+                                          </p:spTgt>
+                                        </p:tgtEl>
+                                        <p:attrNameLst>
+                                          <p:attrName>style.visibility</p:attrName>
+                                        </p:attrNameLst>
+                                      </p:cBhvr>
+                                      <p:to>
+                                        <p:strVal val="visible"/>
+                                      </p:to>
+                                    </p:set>
+                                    <p:animEffect transition="in" filter="fade">
+                                      <p:cBhvr>
+                                        <p:cTn id="57" dur="1000"/>
+                                        <p:tgtEl>
+                                          <p:spTgt spid="87">
+                                            <p:txEl>
+                                              <p:pRg st="10" end="10"/>
+                                            </p:txEl>
+                                          </p:spTgt>
+                                        </p:tgtEl>
+                                      </p:cBhvr>
+                                    </p:animEffect>
+                                  </p:childTnLst>
+                                </p:cTn>
+                              </p:par>
+                            </p:childTnLst>
+                          </p:cTn>
+                        </p:par>
+                      </p:childTnLst>
+                    </p:cTn>
+                  </p:par>
+                  <p:par>
+                    <p:cTn id="58" fill="hold">
+                      <p:stCondLst>
+                        <p:cond delay="indefinite"/>
+                      </p:stCondLst>
+                      <p:childTnLst>
+                        <p:par>
+                          <p:cTn id="59" fill="hold">
+                            <p:stCondLst>
+                              <p:cond delay="0"/>
+                            </p:stCondLst>
+                            <p:childTnLst>
+                              <p:par>
+                                <p:cTn id="60" presetID="10" presetClass="entr" presetSubtype="0" fill="hold" nodeType="clickEffect">
+                                  <p:stCondLst>
+                                    <p:cond delay="0"/>
+                                  </p:stCondLst>
+                                  <p:childTnLst>
+                                    <p:set>
+                                      <p:cBhvr>
+                                        <p:cTn id="61" dur="1" fill="hold">
+                                          <p:stCondLst>
+                                            <p:cond delay="0"/>
+                                          </p:stCondLst>
+                                        </p:cTn>
+                                        <p:tgtEl>
+                                          <p:spTgt spid="87">
+                                            <p:txEl>
+                                              <p:pRg st="11" end="11"/>
+                                            </p:txEl>
+                                          </p:spTgt>
+                                        </p:tgtEl>
+                                        <p:attrNameLst>
+                                          <p:attrName>style.visibility</p:attrName>
+                                        </p:attrNameLst>
+                                      </p:cBhvr>
+                                      <p:to>
+                                        <p:strVal val="visible"/>
+                                      </p:to>
+                                    </p:set>
+                                    <p:animEffect transition="in" filter="fade">
+                                      <p:cBhvr>
+                                        <p:cTn id="62" dur="1000"/>
+                                        <p:tgtEl>
+                                          <p:spTgt spid="87">
+                                            <p:txEl>
+                                              <p:pRg st="11" end="11"/>
+                                            </p:txEl>
+                                          </p:spTgt>
+                                        </p:tgtEl>
+                                      </p:cBhvr>
+                                    </p:animEffect>
+                                  </p:childTnLst>
+                                </p:cTn>
+                              </p:par>
+                            </p:childTnLst>
+                          </p:cTn>
+                        </p:par>
+                      </p:childTnLst>
+                    </p:cTn>
+                  </p:par>
+                  <p:par>
+                    <p:cTn id="63" fill="hold">
+                      <p:stCondLst>
+                        <p:cond delay="indefinite"/>
+                      </p:stCondLst>
+                      <p:childTnLst>
+                        <p:par>
+                          <p:cTn id="64" fill="hold">
+                            <p:stCondLst>
+                              <p:cond delay="0"/>
+                            </p:stCondLst>
+                            <p:childTnLst>
+                              <p:par>
+                                <p:cTn id="65" presetID="10" presetClass="entr" presetSubtype="0" fill="hold" nodeType="clickEffect">
+                                  <p:stCondLst>
+                                    <p:cond delay="0"/>
+                                  </p:stCondLst>
+                                  <p:childTnLst>
+                                    <p:set>
+                                      <p:cBhvr>
+                                        <p:cTn id="66" dur="1" fill="hold">
+                                          <p:stCondLst>
+                                            <p:cond delay="0"/>
+                                          </p:stCondLst>
+                                        </p:cTn>
+                                        <p:tgtEl>
+                                          <p:spTgt spid="87">
+                                            <p:txEl>
+                                              <p:pRg st="12" end="12"/>
+                                            </p:txEl>
+                                          </p:spTgt>
+                                        </p:tgtEl>
+                                        <p:attrNameLst>
+                                          <p:attrName>style.visibility</p:attrName>
+                                        </p:attrNameLst>
+                                      </p:cBhvr>
+                                      <p:to>
+                                        <p:strVal val="visible"/>
+                                      </p:to>
+                                    </p:set>
+                                    <p:animEffect transition="in" filter="fade">
+                                      <p:cBhvr>
+                                        <p:cTn id="67" dur="1000"/>
+                                        <p:tgtEl>
+                                          <p:spTgt spid="87">
+                                            <p:txEl>
+                                              <p:pRg st="12" end="12"/>
+                                            </p:txEl>
+                                          </p:spTgt>
+                                        </p:tgtEl>
+                                      </p:cBhvr>
+                                    </p:animEffect>
+                                  </p:childTnLst>
+                                </p:cTn>
+                              </p:par>
+                            </p:childTnLst>
+                          </p:cTn>
+                        </p:par>
+                      </p:childTnLst>
+                    </p:cTn>
+                  </p:par>
+                </p:childTnLst>
+              </p:cTn>
+              <p:prevCondLst>
+                <p:cond evt="onPrev" delay="0">
+                  <p:tgtEl>
+                    <p:sldTgt/>
+                  </p:tgtEl>
+                </p:cond>
+              </p:prevCondLst>
+              <p:nextCondLst>
+                <p:cond evt="onNext" delay="0">
+                  <p:tgtEl>
+                    <p:sldTgt/>
+                  </p:tgtEl>
+                </p:cond>
+              </p:nextCondLst>
+            </p:seq>
+          </p:childTnLst>
+        </p:cTn>
+      </p:par>
+    </p:tnLst>
+  </p:timing>
 </p:sld>
 </file>
 

--- a/slides/Unit 2 - LC 101 - Class 1.pptx
+++ b/slides/Unit 2 - LC 101 - Class 1.pptx
@@ -5,7 +5,7 @@
     <p:sldMasterId id="2147483659" r:id="rId1"/>
   </p:sldMasterIdLst>
   <p:notesMasterIdLst>
-    <p:notesMasterId r:id="rId15"/>
+    <p:notesMasterId r:id="rId16"/>
   </p:notesMasterIdLst>
   <p:sldIdLst>
     <p:sldId id="266" r:id="rId2"/>
@@ -20,7 +20,8 @@
     <p:sldId id="262" r:id="rId11"/>
     <p:sldId id="263" r:id="rId12"/>
     <p:sldId id="264" r:id="rId13"/>
-    <p:sldId id="256" r:id="rId14"/>
+    <p:sldId id="272" r:id="rId14"/>
+    <p:sldId id="256" r:id="rId15"/>
   </p:sldIdLst>
   <p:sldSz cx="9144000" cy="5143500" type="screen16x9"/>
   <p:notesSz cx="6858000" cy="9144000"/>
@@ -9982,6 +9983,64 @@
   <p:cSld>
     <p:spTree>
       <p:nvGrpSpPr>
+        <p:cNvPr id="1" name=""/>
+        <p:cNvGrpSpPr/>
+        <p:nvPr/>
+      </p:nvGrpSpPr>
+      <p:grpSpPr>
+        <a:xfrm>
+          <a:off x="0" y="0"/>
+          <a:ext cx="0" cy="0"/>
+          <a:chOff x="0" y="0"/>
+          <a:chExt cx="0" cy="0"/>
+        </a:xfrm>
+      </p:grpSpPr>
+      <p:sp>
+        <p:nvSpPr>
+          <p:cNvPr id="2" name="Title 1">
+            <a:extLst>
+              <a:ext uri="{FF2B5EF4-FFF2-40B4-BE49-F238E27FC236}">
+                <a16:creationId xmlns:a16="http://schemas.microsoft.com/office/drawing/2014/main" id="{36C6A357-73CE-44C7-9140-43E56437EC35}"/>
+              </a:ext>
+            </a:extLst>
+          </p:cNvPr>
+          <p:cNvSpPr>
+            <a:spLocks noGrp="1"/>
+          </p:cNvSpPr>
+          <p:nvPr>
+            <p:ph type="title"/>
+          </p:nvPr>
+        </p:nvSpPr>
+        <p:spPr/>
+        <p:txBody>
+          <a:bodyPr/>
+          <a:lstStyle/>
+          <a:p>
+            <a:r>
+              <a:rPr lang="en-US" dirty="0"/>
+              <a:t>Studio Walkthrough</a:t>
+            </a:r>
+          </a:p>
+        </p:txBody>
+      </p:sp>
+    </p:spTree>
+    <p:extLst>
+      <p:ext uri="{BB962C8B-B14F-4D97-AF65-F5344CB8AC3E}">
+        <p14:creationId xmlns:p14="http://schemas.microsoft.com/office/powerpoint/2010/main" val="2457410477"/>
+      </p:ext>
+    </p:extLst>
+  </p:cSld>
+  <p:clrMapOvr>
+    <a:masterClrMapping/>
+  </p:clrMapOvr>
+</p:sld>
+</file>
+
+<file path=ppt/slides/slide14.xml><?xml version="1.0" encoding="utf-8"?>
+<p:sld xmlns:a="http://schemas.openxmlformats.org/drawingml/2006/main" xmlns:r="http://schemas.openxmlformats.org/officeDocument/2006/relationships" xmlns:p="http://schemas.openxmlformats.org/presentationml/2006/main">
+  <p:cSld>
+    <p:spTree>
+      <p:nvGrpSpPr>
         <p:cNvPr id="1" name="Shape 53"/>
         <p:cNvGrpSpPr/>
         <p:nvPr/>

--- a/slides/Unit 2 - LC 101 - Class 1.pptx
+++ b/slides/Unit 2 - LC 101 - Class 1.pptx
@@ -10867,6 +10867,17 @@
               </a:rPr>
               <a:t>Expectations:</a:t>
             </a:r>
+          </a:p>
+          <a:p>
+            <a:pPr marL="82550" lvl="0">
+              <a:lnSpc>
+                <a:spcPct val="115000"/>
+              </a:lnSpc>
+              <a:buClr>
+                <a:srgbClr val="FFFFFF"/>
+              </a:buClr>
+              <a:buSzPts val="2300"/>
+            </a:pPr>
             <a:endParaRPr lang="en-US" sz="2300" dirty="0">
               <a:solidFill>
                 <a:srgbClr val="FFFFFF"/>
@@ -11416,7 +11427,7 @@
                                         <p:tgtEl>
                                           <p:spTgt spid="75">
                                             <p:txEl>
-                                              <p:pRg st="5" end="5"/>
+                                              <p:pRg st="6" end="6"/>
                                             </p:txEl>
                                           </p:spTgt>
                                         </p:tgtEl>
@@ -11434,7 +11445,7 @@
                                         <p:tgtEl>
                                           <p:spTgt spid="75">
                                             <p:txEl>
-                                              <p:pRg st="5" end="5"/>
+                                              <p:pRg st="6" end="6"/>
                                             </p:txEl>
                                           </p:spTgt>
                                         </p:tgtEl>
@@ -11477,7 +11488,7 @@
                                         <p:tgtEl>
                                           <p:spTgt spid="75">
                                             <p:txEl>
-                                              <p:pRg st="6" end="6"/>
+                                              <p:pRg st="7" end="7"/>
                                             </p:txEl>
                                           </p:spTgt>
                                         </p:tgtEl>
@@ -11495,7 +11506,7 @@
                                         <p:tgtEl>
                                           <p:spTgt spid="75">
                                             <p:txEl>
-                                              <p:pRg st="6" end="6"/>
+                                              <p:pRg st="7" end="7"/>
                                             </p:txEl>
                                           </p:spTgt>
                                         </p:tgtEl>
@@ -11538,7 +11549,7 @@
                                         <p:tgtEl>
                                           <p:spTgt spid="75">
                                             <p:txEl>
-                                              <p:pRg st="8" end="8"/>
+                                              <p:pRg st="9" end="9"/>
                                             </p:txEl>
                                           </p:spTgt>
                                         </p:tgtEl>
@@ -11556,7 +11567,7 @@
                                         <p:tgtEl>
                                           <p:spTgt spid="75">
                                             <p:txEl>
-                                              <p:pRg st="8" end="8"/>
+                                              <p:pRg st="9" end="9"/>
                                             </p:txEl>
                                           </p:spTgt>
                                         </p:tgtEl>
@@ -11599,7 +11610,7 @@
                                         <p:tgtEl>
                                           <p:spTgt spid="75">
                                             <p:txEl>
-                                              <p:pRg st="9" end="9"/>
+                                              <p:pRg st="10" end="10"/>
                                             </p:txEl>
                                           </p:spTgt>
                                         </p:tgtEl>
@@ -11617,7 +11628,7 @@
                                         <p:tgtEl>
                                           <p:spTgt spid="75">
                                             <p:txEl>
-                                              <p:pRg st="9" end="9"/>
+                                              <p:pRg st="10" end="10"/>
                                             </p:txEl>
                                           </p:spTgt>
                                         </p:tgtEl>
